--- a/Дипломный проект/Sokolov_presentation.pptx
+++ b/Дипломный проект/Sokolov_presentation.pptx
@@ -1083,19 +1083,18 @@
           <a:lstStyle/>
           <a:p>
             <a:r>
-              <a:rPr lang="ru-RU" dirty="0"/>
-              <a:t>Модель дает оценку или дает “нет оценки” если полученная величина отличается на 10% от медианной стоимости по району.</a:t>
-            </a:r>
-          </a:p>
-          <a:p>
-            <a:r>
-              <a:rPr lang="ru-RU" dirty="0">
+              <a:rPr lang="ru-RU">
                 <a:highlight>
                   <a:srgbClr val="FFFF00"/>
                 </a:highlight>
               </a:rPr>
               <a:t> </a:t>
             </a:r>
+            <a:endParaRPr lang="ru-RU" dirty="0">
+              <a:highlight>
+                <a:srgbClr val="FFFF00"/>
+              </a:highlight>
+            </a:endParaRPr>
           </a:p>
           <a:p>
             <a:r>

--- a/Дипломный проект/Sokolov_presentation.pptx
+++ b/Дипломный проект/Sokolov_presentation.pptx
@@ -5,7 +5,7 @@
     <p:sldMasterId id="2147483708" r:id="rId1"/>
   </p:sldMasterIdLst>
   <p:notesMasterIdLst>
-    <p:notesMasterId r:id="rId10"/>
+    <p:notesMasterId r:id="rId11"/>
   </p:notesMasterIdLst>
   <p:sldIdLst>
     <p:sldId id="256" r:id="rId2"/>
@@ -14,8 +14,9 @@
     <p:sldId id="262" r:id="rId5"/>
     <p:sldId id="263" r:id="rId6"/>
     <p:sldId id="258" r:id="rId7"/>
-    <p:sldId id="259" r:id="rId8"/>
-    <p:sldId id="265" r:id="rId9"/>
+    <p:sldId id="266" r:id="rId8"/>
+    <p:sldId id="259" r:id="rId9"/>
+    <p:sldId id="265" r:id="rId10"/>
   </p:sldIdLst>
   <p:sldSz cx="12192000" cy="6858000"/>
   <p:notesSz cx="6858000" cy="9144000"/>
@@ -207,7 +208,7 @@
           <a:p>
             <a:fld id="{C15BB1CD-B1C2-485E-8957-0174C0A9B60B}" type="datetimeFigureOut">
               <a:rPr lang="ru-RU" smtClean="0"/>
-              <a:t>21.06.2020</a:t>
+              <a:t>22.06.2020</a:t>
             </a:fld>
             <a:endParaRPr lang="ru-RU"/>
           </a:p>
@@ -1264,106 +1265,6 @@
           <a:bodyPr/>
           <a:lstStyle/>
           <a:p>
-            <a:r>
-              <a:rPr lang="ru-RU" dirty="0"/>
-              <a:t>Прототип дает оценку или дает «нет оценки» в случае ошибок ввода</a:t>
-            </a:r>
-          </a:p>
-          <a:p>
-            <a:r>
-              <a:rPr lang="ru-RU" dirty="0"/>
-              <a:t>Полученную цифру можно использовать</a:t>
-            </a:r>
-            <a:r>
-              <a:rPr lang="ru-RU" baseline="0" dirty="0"/>
-              <a:t> </a:t>
-            </a:r>
-            <a:r>
-              <a:rPr lang="ru-RU" dirty="0"/>
-              <a:t>как ориентир, от которого нужно немного “отступить“, </a:t>
-            </a:r>
-          </a:p>
-          <a:p>
-            <a:r>
-              <a:rPr lang="ru-RU" dirty="0"/>
-              <a:t>Параметры дома влияющие на точность – индекс</a:t>
-            </a:r>
-            <a:r>
-              <a:rPr lang="ru-RU" baseline="0" dirty="0"/>
-              <a:t> почтового отделения (район), площадь, год постройки, площадь земельного участка.</a:t>
-            </a:r>
-          </a:p>
-          <a:p>
-            <a:pPr marL="0" marR="0" lvl="0" indent="0" algn="l" defTabSz="914400" rtl="0" eaLnBrk="1" fontAlgn="auto" latinLnBrk="0" hangingPunct="1">
-              <a:lnSpc>
-                <a:spcPct val="100000"/>
-              </a:lnSpc>
-              <a:spcBef>
-                <a:spcPts val="0"/>
-              </a:spcBef>
-              <a:spcAft>
-                <a:spcPts val="0"/>
-              </a:spcAft>
-              <a:buClrTx/>
-              <a:buSzTx/>
-              <a:buFontTx/>
-              <a:buNone/>
-              <a:tabLst/>
-              <a:defRPr/>
-            </a:pPr>
-            <a:r>
-              <a:rPr lang="ru-RU" dirty="0"/>
-              <a:t>Сказать что модель не может анализировать и что было откинуто в процессе предобработки данных</a:t>
-            </a:r>
-          </a:p>
-          <a:p>
-            <a:pPr marL="0" marR="0" lvl="0" indent="0" algn="l" defTabSz="914400" rtl="0" eaLnBrk="1" fontAlgn="auto" latinLnBrk="0" hangingPunct="1">
-              <a:lnSpc>
-                <a:spcPct val="100000"/>
-              </a:lnSpc>
-              <a:spcBef>
-                <a:spcPts val="0"/>
-              </a:spcBef>
-              <a:spcAft>
-                <a:spcPts val="0"/>
-              </a:spcAft>
-              <a:buClrTx/>
-              <a:buSzTx/>
-              <a:buFontTx/>
-              <a:buNone/>
-              <a:tabLst/>
-              <a:defRPr/>
-            </a:pPr>
-            <a:r>
-              <a:rPr lang="ru-RU" sz="1200" dirty="0">
-                <a:highlight>
-                  <a:srgbClr val="FFFF00"/>
-                </a:highlight>
-              </a:rPr>
-              <a:t>Модель обучается на 14 признаках наиболее важные из них: средняя стоимость кв. фута в районе, расстояние от центра города до района (почтового отделения), площадь дома, год постройки, площадь земельного участка.</a:t>
-            </a:r>
-          </a:p>
-          <a:p>
-            <a:pPr marL="0" marR="0" lvl="0" indent="0" algn="l" defTabSz="914400" rtl="0" eaLnBrk="1" fontAlgn="auto" latinLnBrk="0" hangingPunct="1">
-              <a:lnSpc>
-                <a:spcPct val="100000"/>
-              </a:lnSpc>
-              <a:spcBef>
-                <a:spcPts val="0"/>
-              </a:spcBef>
-              <a:spcAft>
-                <a:spcPts val="0"/>
-              </a:spcAft>
-              <a:buClrTx/>
-              <a:buSzTx/>
-              <a:buFontTx/>
-              <a:buNone/>
-              <a:tabLst/>
-              <a:defRPr/>
-            </a:pPr>
-            <a:endParaRPr lang="ru-RU" dirty="0"/>
-          </a:p>
-          <a:p>
             <a:endParaRPr lang="ru-RU" dirty="0"/>
           </a:p>
         </p:txBody>
@@ -1394,7 +1295,7 @@
     </p:spTree>
     <p:extLst>
       <p:ext uri="{BB962C8B-B14F-4D97-AF65-F5344CB8AC3E}">
-        <p14:creationId xmlns:p14="http://schemas.microsoft.com/office/powerpoint/2010/main" val="4033485259"/>
+        <p14:creationId xmlns:p14="http://schemas.microsoft.com/office/powerpoint/2010/main" val="538688017"/>
       </p:ext>
     </p:extLst>
   </p:cSld>
@@ -1448,6 +1349,106 @@
           <a:bodyPr/>
           <a:lstStyle/>
           <a:p>
+            <a:r>
+              <a:rPr lang="ru-RU" dirty="0"/>
+              <a:t>Прототип дает оценку или дает «нет оценки» в случае ошибок ввода</a:t>
+            </a:r>
+          </a:p>
+          <a:p>
+            <a:r>
+              <a:rPr lang="ru-RU" dirty="0"/>
+              <a:t>Полученную цифру можно использовать</a:t>
+            </a:r>
+            <a:r>
+              <a:rPr lang="ru-RU" baseline="0" dirty="0"/>
+              <a:t> </a:t>
+            </a:r>
+            <a:r>
+              <a:rPr lang="ru-RU" dirty="0"/>
+              <a:t>как ориентир, от которого нужно немного “отступить“, </a:t>
+            </a:r>
+          </a:p>
+          <a:p>
+            <a:r>
+              <a:rPr lang="ru-RU" dirty="0"/>
+              <a:t>Параметры дома влияющие на точность – индекс</a:t>
+            </a:r>
+            <a:r>
+              <a:rPr lang="ru-RU" baseline="0" dirty="0"/>
+              <a:t> почтового отделения (район), площадь, год постройки, площадь земельного участка.</a:t>
+            </a:r>
+          </a:p>
+          <a:p>
+            <a:pPr marL="0" marR="0" lvl="0" indent="0" algn="l" defTabSz="914400" rtl="0" eaLnBrk="1" fontAlgn="auto" latinLnBrk="0" hangingPunct="1">
+              <a:lnSpc>
+                <a:spcPct val="100000"/>
+              </a:lnSpc>
+              <a:spcBef>
+                <a:spcPts val="0"/>
+              </a:spcBef>
+              <a:spcAft>
+                <a:spcPts val="0"/>
+              </a:spcAft>
+              <a:buClrTx/>
+              <a:buSzTx/>
+              <a:buFontTx/>
+              <a:buNone/>
+              <a:tabLst/>
+              <a:defRPr/>
+            </a:pPr>
+            <a:r>
+              <a:rPr lang="ru-RU" dirty="0"/>
+              <a:t>Сказать что модель не может анализировать и что было откинуто в процессе предобработки данных</a:t>
+            </a:r>
+          </a:p>
+          <a:p>
+            <a:pPr marL="0" marR="0" lvl="0" indent="0" algn="l" defTabSz="914400" rtl="0" eaLnBrk="1" fontAlgn="auto" latinLnBrk="0" hangingPunct="1">
+              <a:lnSpc>
+                <a:spcPct val="100000"/>
+              </a:lnSpc>
+              <a:spcBef>
+                <a:spcPts val="0"/>
+              </a:spcBef>
+              <a:spcAft>
+                <a:spcPts val="0"/>
+              </a:spcAft>
+              <a:buClrTx/>
+              <a:buSzTx/>
+              <a:buFontTx/>
+              <a:buNone/>
+              <a:tabLst/>
+              <a:defRPr/>
+            </a:pPr>
+            <a:r>
+              <a:rPr lang="ru-RU" sz="1200" dirty="0">
+                <a:highlight>
+                  <a:srgbClr val="FFFF00"/>
+                </a:highlight>
+              </a:rPr>
+              <a:t>Модель обучается на 14 признаках наиболее важные из них: средняя стоимость кв. фута в районе, расстояние от центра города до района (почтового отделения), площадь дома, год постройки, площадь земельного участка.</a:t>
+            </a:r>
+          </a:p>
+          <a:p>
+            <a:pPr marL="0" marR="0" lvl="0" indent="0" algn="l" defTabSz="914400" rtl="0" eaLnBrk="1" fontAlgn="auto" latinLnBrk="0" hangingPunct="1">
+              <a:lnSpc>
+                <a:spcPct val="100000"/>
+              </a:lnSpc>
+              <a:spcBef>
+                <a:spcPts val="0"/>
+              </a:spcBef>
+              <a:spcAft>
+                <a:spcPts val="0"/>
+              </a:spcAft>
+              <a:buClrTx/>
+              <a:buSzTx/>
+              <a:buFontTx/>
+              <a:buNone/>
+              <a:tabLst/>
+              <a:defRPr/>
+            </a:pPr>
+            <a:endParaRPr lang="ru-RU" dirty="0"/>
+          </a:p>
+          <a:p>
             <a:endParaRPr lang="ru-RU" dirty="0"/>
           </a:p>
         </p:txBody>
@@ -1470,6 +1471,90 @@
             <a:fld id="{3685BA08-4A6F-477E-AC6A-188307D3523D}" type="slidenum">
               <a:rPr lang="ru-RU" smtClean="0"/>
               <a:t>8</a:t>
+            </a:fld>
+            <a:endParaRPr lang="ru-RU"/>
+          </a:p>
+        </p:txBody>
+      </p:sp>
+    </p:spTree>
+    <p:extLst>
+      <p:ext uri="{BB962C8B-B14F-4D97-AF65-F5344CB8AC3E}">
+        <p14:creationId xmlns:p14="http://schemas.microsoft.com/office/powerpoint/2010/main" val="4033485259"/>
+      </p:ext>
+    </p:extLst>
+  </p:cSld>
+  <p:clrMapOvr>
+    <a:masterClrMapping/>
+  </p:clrMapOvr>
+</p:notes>
+</file>
+
+<file path=ppt/notesSlides/notesSlide8.xml><?xml version="1.0" encoding="utf-8"?>
+<p:notes xmlns:a="http://schemas.openxmlformats.org/drawingml/2006/main" xmlns:r="http://schemas.openxmlformats.org/officeDocument/2006/relationships" xmlns:p="http://schemas.openxmlformats.org/presentationml/2006/main">
+  <p:cSld>
+    <p:spTree>
+      <p:nvGrpSpPr>
+        <p:cNvPr id="1" name=""/>
+        <p:cNvGrpSpPr/>
+        <p:nvPr/>
+      </p:nvGrpSpPr>
+      <p:grpSpPr>
+        <a:xfrm>
+          <a:off x="0" y="0"/>
+          <a:ext cx="0" cy="0"/>
+          <a:chOff x="0" y="0"/>
+          <a:chExt cx="0" cy="0"/>
+        </a:xfrm>
+      </p:grpSpPr>
+      <p:sp>
+        <p:nvSpPr>
+          <p:cNvPr id="2" name="Образ слайда 1"/>
+          <p:cNvSpPr>
+            <a:spLocks noGrp="1" noRot="1" noChangeAspect="1"/>
+          </p:cNvSpPr>
+          <p:nvPr>
+            <p:ph type="sldImg"/>
+          </p:nvPr>
+        </p:nvSpPr>
+        <p:spPr/>
+      </p:sp>
+      <p:sp>
+        <p:nvSpPr>
+          <p:cNvPr id="3" name="Заметки 2"/>
+          <p:cNvSpPr>
+            <a:spLocks noGrp="1"/>
+          </p:cNvSpPr>
+          <p:nvPr>
+            <p:ph type="body" idx="1"/>
+          </p:nvPr>
+        </p:nvSpPr>
+        <p:spPr/>
+        <p:txBody>
+          <a:bodyPr/>
+          <a:lstStyle/>
+          <a:p>
+            <a:endParaRPr lang="ru-RU" dirty="0"/>
+          </a:p>
+        </p:txBody>
+      </p:sp>
+      <p:sp>
+        <p:nvSpPr>
+          <p:cNvPr id="4" name="Номер слайда 3"/>
+          <p:cNvSpPr>
+            <a:spLocks noGrp="1"/>
+          </p:cNvSpPr>
+          <p:nvPr>
+            <p:ph type="sldNum" sz="quarter" idx="5"/>
+          </p:nvPr>
+        </p:nvSpPr>
+        <p:spPr/>
+        <p:txBody>
+          <a:bodyPr/>
+          <a:lstStyle/>
+          <a:p>
+            <a:fld id="{3685BA08-4A6F-477E-AC6A-188307D3523D}" type="slidenum">
+              <a:rPr lang="ru-RU" smtClean="0"/>
+              <a:t>9</a:t>
             </a:fld>
             <a:endParaRPr lang="ru-RU"/>
           </a:p>
@@ -1627,7 +1712,7 @@
           <a:p>
             <a:fld id="{55DFD414-6E25-48D8-B4F2-EA0581E9C234}" type="datetimeFigureOut">
               <a:rPr lang="ru-RU" smtClean="0"/>
-              <a:t>21.06.2020</a:t>
+              <a:t>22.06.2020</a:t>
             </a:fld>
             <a:endParaRPr lang="ru-RU"/>
           </a:p>
@@ -1838,7 +1923,7 @@
           <a:p>
             <a:fld id="{55DFD414-6E25-48D8-B4F2-EA0581E9C234}" type="datetimeFigureOut">
               <a:rPr lang="ru-RU" smtClean="0"/>
-              <a:t>21.06.2020</a:t>
+              <a:t>22.06.2020</a:t>
             </a:fld>
             <a:endParaRPr lang="ru-RU"/>
           </a:p>
@@ -2053,7 +2138,7 @@
           <a:p>
             <a:fld id="{55DFD414-6E25-48D8-B4F2-EA0581E9C234}" type="datetimeFigureOut">
               <a:rPr lang="ru-RU" smtClean="0"/>
-              <a:t>21.06.2020</a:t>
+              <a:t>22.06.2020</a:t>
             </a:fld>
             <a:endParaRPr lang="ru-RU"/>
           </a:p>
@@ -2254,7 +2339,7 @@
           <a:p>
             <a:fld id="{55DFD414-6E25-48D8-B4F2-EA0581E9C234}" type="datetimeFigureOut">
               <a:rPr lang="ru-RU" smtClean="0"/>
-              <a:t>21.06.2020</a:t>
+              <a:t>22.06.2020</a:t>
             </a:fld>
             <a:endParaRPr lang="ru-RU"/>
           </a:p>
@@ -2533,7 +2618,7 @@
           <a:p>
             <a:fld id="{55DFD414-6E25-48D8-B4F2-EA0581E9C234}" type="datetimeFigureOut">
               <a:rPr lang="ru-RU" smtClean="0"/>
-              <a:t>21.06.2020</a:t>
+              <a:t>22.06.2020</a:t>
             </a:fld>
             <a:endParaRPr lang="ru-RU"/>
           </a:p>
@@ -2801,7 +2886,7 @@
           <a:p>
             <a:fld id="{55DFD414-6E25-48D8-B4F2-EA0581E9C234}" type="datetimeFigureOut">
               <a:rPr lang="ru-RU" smtClean="0"/>
-              <a:t>21.06.2020</a:t>
+              <a:t>22.06.2020</a:t>
             </a:fld>
             <a:endParaRPr lang="ru-RU"/>
           </a:p>
@@ -3217,7 +3302,7 @@
           <a:p>
             <a:fld id="{55DFD414-6E25-48D8-B4F2-EA0581E9C234}" type="datetimeFigureOut">
               <a:rPr lang="ru-RU" smtClean="0"/>
-              <a:t>21.06.2020</a:t>
+              <a:t>22.06.2020</a:t>
             </a:fld>
             <a:endParaRPr lang="ru-RU"/>
           </a:p>
@@ -3366,7 +3451,7 @@
           <a:p>
             <a:fld id="{55DFD414-6E25-48D8-B4F2-EA0581E9C234}" type="datetimeFigureOut">
               <a:rPr lang="ru-RU" smtClean="0"/>
-              <a:t>21.06.2020</a:t>
+              <a:t>22.06.2020</a:t>
             </a:fld>
             <a:endParaRPr lang="ru-RU"/>
           </a:p>
@@ -3492,7 +3577,7 @@
           <a:p>
             <a:fld id="{55DFD414-6E25-48D8-B4F2-EA0581E9C234}" type="datetimeFigureOut">
               <a:rPr lang="ru-RU" smtClean="0"/>
-              <a:t>21.06.2020</a:t>
+              <a:t>22.06.2020</a:t>
             </a:fld>
             <a:endParaRPr lang="ru-RU"/>
           </a:p>
@@ -3743,7 +3828,7 @@
           <a:p>
             <a:fld id="{55DFD414-6E25-48D8-B4F2-EA0581E9C234}" type="datetimeFigureOut">
               <a:rPr lang="ru-RU" smtClean="0"/>
-              <a:t>21.06.2020</a:t>
+              <a:t>22.06.2020</a:t>
             </a:fld>
             <a:endParaRPr lang="ru-RU"/>
           </a:p>
@@ -4188,7 +4273,7 @@
           <a:p>
             <a:fld id="{55DFD414-6E25-48D8-B4F2-EA0581E9C234}" type="datetimeFigureOut">
               <a:rPr lang="ru-RU" smtClean="0"/>
-              <a:t>21.06.2020</a:t>
+              <a:t>22.06.2020</a:t>
             </a:fld>
             <a:endParaRPr lang="ru-RU"/>
           </a:p>
@@ -4515,7 +4600,7 @@
           <a:p>
             <a:fld id="{55DFD414-6E25-48D8-B4F2-EA0581E9C234}" type="datetimeFigureOut">
               <a:rPr lang="ru-RU" smtClean="0"/>
-              <a:t>21.06.2020</a:t>
+              <a:t>22.06.2020</a:t>
             </a:fld>
             <a:endParaRPr lang="ru-RU"/>
           </a:p>
@@ -6359,6 +6444,35 @@
               <a:rPr lang="ru-RU" dirty="0"/>
               <a:t>По каждому объекту получено 30 признаков</a:t>
             </a:r>
+            <a:r>
+              <a:rPr lang="en-US" dirty="0"/>
+              <a:t>, в </a:t>
+            </a:r>
+            <a:r>
+              <a:rPr lang="en-US" dirty="0" err="1"/>
+              <a:t>дальнейшем</a:t>
+            </a:r>
+            <a:r>
+              <a:rPr lang="en-US" dirty="0"/>
+              <a:t> </a:t>
+            </a:r>
+            <a:r>
+              <a:rPr lang="en-US" dirty="0" err="1"/>
+              <a:t>оставлено</a:t>
+            </a:r>
+            <a:r>
+              <a:rPr lang="en-US" dirty="0"/>
+              <a:t> </a:t>
+            </a:r>
+            <a:r>
+              <a:rPr lang="en-US" dirty="0" err="1"/>
+              <a:t>только</a:t>
+            </a:r>
+            <a:r>
+              <a:rPr lang="en-US" dirty="0"/>
+              <a:t> 14.</a:t>
+            </a:r>
+            <a:endParaRPr lang="ru-RU" dirty="0"/>
           </a:p>
         </p:txBody>
       </p:sp>
@@ -6454,8 +6568,8 @@
         </p:nvSpPr>
         <p:spPr>
           <a:xfrm>
-            <a:off x="838200" y="1943560"/>
-            <a:ext cx="5123617" cy="4137751"/>
+            <a:off x="838200" y="903384"/>
+            <a:ext cx="5123617" cy="5177927"/>
           </a:xfrm>
         </p:spPr>
         <p:txBody>
@@ -6465,6 +6579,287 @@
           <a:lstStyle/>
           <a:p>
             <a:r>
+              <a:rPr lang="en-US" sz="1400" b="1" dirty="0" err="1"/>
+              <a:t>Целевая</a:t>
+            </a:r>
+            <a:r>
+              <a:rPr lang="en-US" sz="1400" b="1" dirty="0"/>
+              <a:t> </a:t>
+            </a:r>
+            <a:r>
+              <a:rPr lang="en-US" sz="1400" b="1" dirty="0" err="1"/>
+              <a:t>переменная</a:t>
+            </a:r>
+            <a:r>
+              <a:rPr lang="en-US" sz="1400" b="1" dirty="0"/>
+              <a:t> – </a:t>
+            </a:r>
+            <a:r>
+              <a:rPr lang="en-US" sz="1400" dirty="0" err="1"/>
+              <a:t>цена</a:t>
+            </a:r>
+            <a:r>
+              <a:rPr lang="en-US" sz="1400" dirty="0"/>
+              <a:t> </a:t>
+            </a:r>
+            <a:r>
+              <a:rPr lang="en-US" sz="1400" dirty="0" err="1"/>
+              <a:t>одного</a:t>
+            </a:r>
+            <a:r>
+              <a:rPr lang="en-US" sz="1400" dirty="0"/>
+              <a:t> к</a:t>
+            </a:r>
+            <a:r>
+              <a:rPr lang="ru-RU" sz="1400" dirty="0"/>
+              <a:t>в</a:t>
+            </a:r>
+            <a:r>
+              <a:rPr lang="en-US" sz="1400" dirty="0"/>
+              <a:t>а</a:t>
+            </a:r>
+            <a:r>
+              <a:rPr lang="ru-RU" sz="1400" dirty="0"/>
+              <a:t>д</a:t>
+            </a:r>
+            <a:r>
+              <a:rPr lang="en-US" sz="1400" dirty="0"/>
+              <a:t>р</a:t>
+            </a:r>
+            <a:r>
+              <a:rPr lang="ru-RU" sz="1400" dirty="0"/>
+              <a:t>а</a:t>
+            </a:r>
+            <a:r>
+              <a:rPr lang="en-US" sz="1400" dirty="0"/>
+              <a:t>т</a:t>
+            </a:r>
+            <a:r>
+              <a:rPr lang="ru-RU" sz="1400" dirty="0"/>
+              <a:t>н</a:t>
+            </a:r>
+            <a:r>
+              <a:rPr lang="en-US" sz="1400" dirty="0"/>
+              <a:t>о</a:t>
+            </a:r>
+            <a:r>
+              <a:rPr lang="ru-RU" sz="1400" dirty="0"/>
+              <a:t>г</a:t>
+            </a:r>
+            <a:r>
+              <a:rPr lang="en-US" sz="1400" dirty="0"/>
+              <a:t>о </a:t>
+            </a:r>
+            <a:r>
+              <a:rPr lang="ru-RU" sz="1400" dirty="0"/>
+              <a:t>ф</a:t>
+            </a:r>
+            <a:r>
+              <a:rPr lang="en-US" sz="1400" dirty="0"/>
+              <a:t>у</a:t>
+            </a:r>
+            <a:r>
+              <a:rPr lang="ru-RU" sz="1400" dirty="0"/>
+              <a:t>т</a:t>
+            </a:r>
+            <a:r>
+              <a:rPr lang="en-US" sz="1400" dirty="0"/>
+              <a:t>а </a:t>
+            </a:r>
+            <a:r>
+              <a:rPr lang="ru-RU" sz="1400" dirty="0"/>
+              <a:t>п</a:t>
+            </a:r>
+            <a:r>
+              <a:rPr lang="en-US" sz="1400" dirty="0"/>
+              <a:t>л</a:t>
+            </a:r>
+            <a:r>
+              <a:rPr lang="ru-RU" sz="1400" dirty="0"/>
+              <a:t>о</a:t>
+            </a:r>
+            <a:r>
+              <a:rPr lang="en-US" sz="1400" dirty="0"/>
+              <a:t>щ</a:t>
+            </a:r>
+            <a:r>
+              <a:rPr lang="ru-RU" sz="1400" dirty="0"/>
+              <a:t>а</a:t>
+            </a:r>
+            <a:r>
+              <a:rPr lang="en-US" sz="1400" dirty="0"/>
+              <a:t>д</a:t>
+            </a:r>
+            <a:r>
+              <a:rPr lang="ru-RU" sz="1400" dirty="0"/>
+              <a:t>и</a:t>
+            </a:r>
+            <a:r>
+              <a:rPr lang="en-US" sz="1400" dirty="0"/>
+              <a:t> </a:t>
+            </a:r>
+            <a:r>
+              <a:rPr lang="ru-RU" sz="1400" dirty="0"/>
+              <a:t>д</a:t>
+            </a:r>
+            <a:r>
+              <a:rPr lang="en-US" sz="1400" dirty="0"/>
+              <a:t>о</a:t>
+            </a:r>
+            <a:r>
+              <a:rPr lang="ru-RU" sz="1400" dirty="0"/>
+              <a:t>м</a:t>
+            </a:r>
+            <a:r>
+              <a:rPr lang="en-US" sz="1400" dirty="0"/>
+              <a:t>а. </a:t>
+            </a:r>
+            <a:r>
+              <a:rPr lang="en-US" sz="1400" dirty="0" err="1"/>
+              <a:t>Ве</a:t>
+            </a:r>
+            <a:r>
+              <a:rPr lang="ru-RU" sz="1400" dirty="0"/>
+              <a:t>л</a:t>
+            </a:r>
+            <a:r>
+              <a:rPr lang="en-US" sz="1400" dirty="0"/>
+              <a:t>и</a:t>
+            </a:r>
+            <a:r>
+              <a:rPr lang="ru-RU" sz="1400" dirty="0"/>
+              <a:t>ч</a:t>
+            </a:r>
+            <a:r>
+              <a:rPr lang="en-US" sz="1400" dirty="0"/>
+              <a:t>и</a:t>
+            </a:r>
+            <a:r>
+              <a:rPr lang="ru-RU" sz="1400" dirty="0"/>
+              <a:t>н</a:t>
+            </a:r>
+            <a:r>
+              <a:rPr lang="en-US" sz="1400" dirty="0"/>
+              <a:t>а </a:t>
+            </a:r>
+            <a:r>
+              <a:rPr lang="ru-RU" sz="1400" dirty="0"/>
+              <a:t>к</a:t>
+            </a:r>
+            <a:r>
+              <a:rPr lang="en-US" sz="1400" dirty="0"/>
+              <a:t>о</a:t>
+            </a:r>
+            <a:r>
+              <a:rPr lang="ru-RU" sz="1400" dirty="0"/>
+              <a:t>т</a:t>
+            </a:r>
+            <a:r>
+              <a:rPr lang="en-US" sz="1400" dirty="0"/>
+              <a:t>о</a:t>
+            </a:r>
+            <a:r>
+              <a:rPr lang="ru-RU" sz="1400" dirty="0"/>
+              <a:t>р</a:t>
+            </a:r>
+            <a:r>
+              <a:rPr lang="en-US" sz="1400" dirty="0"/>
+              <a:t>у</a:t>
+            </a:r>
+            <a:r>
+              <a:rPr lang="ru-RU" sz="1400" dirty="0"/>
+              <a:t>ю</a:t>
+            </a:r>
+            <a:r>
+              <a:rPr lang="en-US" sz="1400" dirty="0"/>
+              <a:t> </a:t>
+            </a:r>
+            <a:r>
+              <a:rPr lang="ru-RU" sz="1400" dirty="0"/>
+              <a:t>п</a:t>
+            </a:r>
+            <a:r>
+              <a:rPr lang="en-US" sz="1400" dirty="0"/>
+              <a:t>р</a:t>
+            </a:r>
+            <a:r>
+              <a:rPr lang="ru-RU" sz="1400" dirty="0"/>
+              <a:t>е</a:t>
+            </a:r>
+            <a:r>
+              <a:rPr lang="en-US" sz="1400" dirty="0"/>
+              <a:t>д</a:t>
+            </a:r>
+            <a:r>
+              <a:rPr lang="ru-RU" sz="1400" dirty="0"/>
+              <a:t>с</a:t>
+            </a:r>
+            <a:r>
+              <a:rPr lang="en-US" sz="1400" dirty="0"/>
+              <a:t>к</a:t>
+            </a:r>
+            <a:r>
+              <a:rPr lang="ru-RU" sz="1400" dirty="0"/>
+              <a:t>а</a:t>
+            </a:r>
+            <a:r>
+              <a:rPr lang="en-US" sz="1400" dirty="0"/>
+              <a:t>з</a:t>
+            </a:r>
+            <a:r>
+              <a:rPr lang="ru-RU" sz="1400" dirty="0"/>
+              <a:t>ы</a:t>
+            </a:r>
+            <a:r>
+              <a:rPr lang="en-US" sz="1400" dirty="0"/>
+              <a:t>в</a:t>
+            </a:r>
+            <a:r>
+              <a:rPr lang="ru-RU" sz="1400" dirty="0"/>
+              <a:t>а</a:t>
+            </a:r>
+            <a:r>
+              <a:rPr lang="en-US" sz="1400" dirty="0"/>
+              <a:t>е</a:t>
+            </a:r>
+            <a:r>
+              <a:rPr lang="ru-RU" sz="1400" dirty="0"/>
+              <a:t>т</a:t>
+            </a:r>
+            <a:r>
+              <a:rPr lang="en-US" sz="1400" dirty="0"/>
+              <a:t> </a:t>
+            </a:r>
+            <a:r>
+              <a:rPr lang="ru-RU" sz="1400" dirty="0"/>
+              <a:t>м</a:t>
+            </a:r>
+            <a:r>
+              <a:rPr lang="en-US" sz="1400" dirty="0"/>
+              <a:t>о</a:t>
+            </a:r>
+            <a:r>
+              <a:rPr lang="ru-RU" sz="1400" dirty="0"/>
+              <a:t>д</a:t>
+            </a:r>
+            <a:r>
+              <a:rPr lang="en-US" sz="1400" dirty="0"/>
+              <a:t>е</a:t>
+            </a:r>
+            <a:r>
+              <a:rPr lang="ru-RU" sz="1400" dirty="0"/>
+              <a:t>л</a:t>
+            </a:r>
+            <a:r>
+              <a:rPr lang="en-US" sz="1400" dirty="0"/>
+              <a:t>ь.</a:t>
+            </a:r>
+          </a:p>
+          <a:p>
+            <a:endParaRPr lang="en-US" sz="1400" b="1" dirty="0"/>
+          </a:p>
+          <a:p>
+            <a:r>
               <a:rPr lang="ru-RU" sz="1400" b="1" dirty="0"/>
               <a:t>Коэффициент смешанной корреляции (COD или R2</a:t>
             </a:r>
@@ -6477,6 +6872,10 @@
               <a:t>)</a:t>
             </a:r>
             <a:r>
+              <a:rPr lang="en-US" sz="1400" b="1" dirty="0"/>
+              <a:t> (%)</a:t>
+            </a:r>
+            <a:r>
               <a:rPr lang="ru-RU" sz="1400" dirty="0"/>
               <a:t> - статистический показатель, указывает на достоверность соответствия набора прогнозов фактическим значениям</a:t>
             </a:r>
@@ -6502,6 +6901,34 @@
             <a:r>
               <a:rPr lang="ru-RU" sz="1400" b="1" dirty="0"/>
               <a:t>(MAE) </a:t>
+            </a:r>
+            <a:r>
+              <a:rPr lang="en-US" sz="1400" b="1" dirty="0"/>
+              <a:t>($/</a:t>
+            </a:r>
+            <a:r>
+              <a:rPr lang="ru-RU" sz="1400" b="1" dirty="0"/>
+              <a:t>к</a:t>
+            </a:r>
+            <a:r>
+              <a:rPr lang="en-US" sz="1400" b="1" dirty="0"/>
+              <a:t>в.</a:t>
+            </a:r>
+            <a:r>
+              <a:rPr lang="ru-RU" sz="1400" b="1" dirty="0"/>
+              <a:t>ф</a:t>
+            </a:r>
+            <a:r>
+              <a:rPr lang="en-US" sz="1400" b="1" dirty="0"/>
+              <a:t>у</a:t>
+            </a:r>
+            <a:r>
+              <a:rPr lang="ru-RU" sz="1400" b="1" dirty="0"/>
+              <a:t>т</a:t>
+            </a:r>
+            <a:r>
+              <a:rPr lang="en-US" sz="1400" b="1" dirty="0"/>
+              <a:t>)</a:t>
             </a:r>
             <a:r>
               <a:rPr lang="ru-RU" sz="1400" dirty="0"/>
@@ -6805,20 +7232,337 @@
             </a:r>
             <a:r>
               <a:rPr lang="ru-RU" b="1" dirty="0"/>
-              <a:t>E) </a:t>
-            </a:r>
-            <a:r>
-              <a:rPr lang="ru-RU" dirty="0"/>
-              <a:t>— медианное значение арифметических отклонений в процентах (</a:t>
-            </a:r>
-            <a:r>
-              <a:rPr lang="ru-RU" i="1" dirty="0"/>
-              <a:t>отклонение </a:t>
-            </a:r>
-            <a:r>
-              <a:rPr lang="ru-RU" dirty="0"/>
-              <a:t>— это разница между спрогнозированным значением и его фактическим значением), менее подвержена выбросам. </a:t>
-            </a:r>
+              <a:t>E)</a:t>
+            </a:r>
+            <a:r>
+              <a:rPr lang="en-US" b="1"/>
+              <a:t>(%)</a:t>
+            </a:r>
+            <a:r>
+              <a:rPr lang="ru-RU" dirty="0"/>
+              <a:t> </a:t>
+            </a:r>
+            <a:r>
+              <a:rPr lang="en-US" dirty="0"/>
+              <a:t>– </a:t>
+            </a:r>
+            <a:r>
+              <a:rPr lang="ru-RU" dirty="0"/>
+              <a:t>м</a:t>
+            </a:r>
+            <a:r>
+              <a:rPr lang="en-US" dirty="0"/>
+              <a:t>е</a:t>
+            </a:r>
+            <a:r>
+              <a:rPr lang="ru-RU" dirty="0"/>
+              <a:t>д</a:t>
+            </a:r>
+            <a:r>
+              <a:rPr lang="en-US" dirty="0"/>
+              <a:t>и</a:t>
+            </a:r>
+            <a:r>
+              <a:rPr lang="ru-RU" dirty="0"/>
+              <a:t>а</a:t>
+            </a:r>
+            <a:r>
+              <a:rPr lang="en-US" dirty="0"/>
+              <a:t>н</a:t>
+            </a:r>
+            <a:r>
+              <a:rPr lang="ru-RU" dirty="0"/>
+              <a:t>н</a:t>
+            </a:r>
+            <a:r>
+              <a:rPr lang="en-US" dirty="0"/>
+              <a:t>а</a:t>
+            </a:r>
+            <a:r>
+              <a:rPr lang="ru-RU" dirty="0"/>
+              <a:t>я абсолютная разница между спрогнозированным значением и его фактическим значением</a:t>
+            </a:r>
+            <a:r>
+              <a:rPr lang="en-US" dirty="0"/>
+              <a:t> </a:t>
+            </a:r>
+            <a:r>
+              <a:rPr lang="ru-RU" dirty="0"/>
+              <a:t>в</a:t>
+            </a:r>
+            <a:r>
+              <a:rPr lang="en-US" dirty="0"/>
+              <a:t> </a:t>
+            </a:r>
+            <a:r>
+              <a:rPr lang="ru-RU" dirty="0"/>
+              <a:t>п</a:t>
+            </a:r>
+            <a:r>
+              <a:rPr lang="en-US" dirty="0"/>
+              <a:t>р</a:t>
+            </a:r>
+            <a:r>
+              <a:rPr lang="ru-RU" dirty="0"/>
+              <a:t>о</a:t>
+            </a:r>
+            <a:r>
+              <a:rPr lang="en-US" dirty="0"/>
+              <a:t>ц</a:t>
+            </a:r>
+            <a:r>
+              <a:rPr lang="ru-RU" dirty="0"/>
+              <a:t>е</a:t>
+            </a:r>
+            <a:r>
+              <a:rPr lang="en-US" dirty="0"/>
+              <a:t>н</a:t>
+            </a:r>
+            <a:r>
+              <a:rPr lang="ru-RU" dirty="0"/>
+              <a:t>т</a:t>
+            </a:r>
+            <a:r>
+              <a:rPr lang="en-US" dirty="0"/>
+              <a:t>а</a:t>
+            </a:r>
+            <a:r>
+              <a:rPr lang="ru-RU" dirty="0"/>
+              <a:t>х. </a:t>
+            </a:r>
+            <a:r>
+              <a:rPr lang="en-US" dirty="0" err="1"/>
+              <a:t>Показывает</a:t>
+            </a:r>
+            <a:r>
+              <a:rPr lang="en-US" dirty="0"/>
+              <a:t>, </a:t>
+            </a:r>
+            <a:r>
+              <a:rPr lang="en-US" dirty="0" err="1"/>
+              <a:t>что</a:t>
+            </a:r>
+            <a:r>
+              <a:rPr lang="en-US" dirty="0"/>
+              <a:t> </a:t>
+            </a:r>
+            <a:r>
+              <a:rPr lang="en-US" dirty="0" err="1"/>
+              <a:t>половина</a:t>
+            </a:r>
+            <a:r>
+              <a:rPr lang="en-US" dirty="0"/>
+              <a:t> </a:t>
+            </a:r>
+            <a:r>
+              <a:rPr lang="ru-RU" dirty="0"/>
+              <a:t>п</a:t>
+            </a:r>
+            <a:r>
+              <a:rPr lang="en-US" dirty="0"/>
+              <a:t>р</a:t>
+            </a:r>
+            <a:r>
+              <a:rPr lang="ru-RU" dirty="0"/>
+              <a:t>е</a:t>
+            </a:r>
+            <a:r>
+              <a:rPr lang="en-US" dirty="0"/>
+              <a:t>д</a:t>
+            </a:r>
+            <a:r>
+              <a:rPr lang="ru-RU" dirty="0"/>
+              <a:t>с</a:t>
+            </a:r>
+            <a:r>
+              <a:rPr lang="en-US" dirty="0"/>
+              <a:t>к</a:t>
+            </a:r>
+            <a:r>
+              <a:rPr lang="ru-RU" dirty="0"/>
+              <a:t>а</a:t>
+            </a:r>
+            <a:r>
+              <a:rPr lang="en-US" dirty="0"/>
+              <a:t>з</a:t>
+            </a:r>
+            <a:r>
+              <a:rPr lang="ru-RU" dirty="0"/>
+              <a:t>а</a:t>
+            </a:r>
+            <a:r>
+              <a:rPr lang="en-US" dirty="0"/>
+              <a:t>н</a:t>
+            </a:r>
+            <a:r>
+              <a:rPr lang="ru-RU" dirty="0"/>
+              <a:t>и</a:t>
+            </a:r>
+            <a:r>
+              <a:rPr lang="en-US" dirty="0"/>
+              <a:t>й </a:t>
+            </a:r>
+            <a:r>
+              <a:rPr lang="ru-RU" dirty="0"/>
+              <a:t>и</a:t>
+            </a:r>
+            <a:r>
+              <a:rPr lang="en-US" dirty="0"/>
+              <a:t>м</a:t>
+            </a:r>
+            <a:r>
+              <a:rPr lang="ru-RU" dirty="0"/>
+              <a:t>е</a:t>
+            </a:r>
+            <a:r>
+              <a:rPr lang="en-US" dirty="0"/>
+              <a:t>е</a:t>
+            </a:r>
+            <a:r>
+              <a:rPr lang="ru-RU" dirty="0"/>
+              <a:t>т</a:t>
+            </a:r>
+            <a:r>
+              <a:rPr lang="en-US" dirty="0"/>
+              <a:t> </a:t>
+            </a:r>
+            <a:r>
+              <a:rPr lang="ru-RU" dirty="0"/>
+              <a:t>п</a:t>
+            </a:r>
+            <a:r>
+              <a:rPr lang="en-US" dirty="0"/>
+              <a:t>о</a:t>
+            </a:r>
+            <a:r>
+              <a:rPr lang="ru-RU" dirty="0"/>
+              <a:t>г</a:t>
+            </a:r>
+            <a:r>
+              <a:rPr lang="en-US" dirty="0"/>
+              <a:t>р</a:t>
+            </a:r>
+            <a:r>
+              <a:rPr lang="ru-RU" dirty="0"/>
+              <a:t>е</a:t>
+            </a:r>
+            <a:r>
+              <a:rPr lang="en-US" dirty="0"/>
+              <a:t>ш</a:t>
+            </a:r>
+            <a:r>
+              <a:rPr lang="ru-RU" dirty="0"/>
+              <a:t>н</a:t>
+            </a:r>
+            <a:r>
+              <a:rPr lang="en-US" dirty="0"/>
+              <a:t>о</a:t>
+            </a:r>
+            <a:r>
+              <a:rPr lang="ru-RU" dirty="0"/>
+              <a:t>с</a:t>
+            </a:r>
+            <a:r>
+              <a:rPr lang="en-US" dirty="0"/>
+              <a:t>т</a:t>
+            </a:r>
+            <a:r>
+              <a:rPr lang="ru-RU" dirty="0"/>
+              <a:t>ь</a:t>
+            </a:r>
+            <a:r>
+              <a:rPr lang="en-US" dirty="0"/>
+              <a:t> </a:t>
+            </a:r>
+            <a:r>
+              <a:rPr lang="ru-RU" dirty="0"/>
+              <a:t>н</a:t>
+            </a:r>
+            <a:r>
+              <a:rPr lang="en-US" dirty="0"/>
+              <a:t>и</a:t>
+            </a:r>
+            <a:r>
+              <a:rPr lang="ru-RU" dirty="0"/>
+              <a:t>ж</a:t>
+            </a:r>
+            <a:r>
+              <a:rPr lang="en-US" dirty="0"/>
+              <a:t>е </a:t>
+            </a:r>
+            <a:r>
+              <a:rPr lang="ru-RU" dirty="0"/>
+              <a:t>у</a:t>
+            </a:r>
+            <a:r>
+              <a:rPr lang="en-US" dirty="0"/>
+              <a:t>к</a:t>
+            </a:r>
+            <a:r>
+              <a:rPr lang="ru-RU" dirty="0"/>
+              <a:t>а</a:t>
+            </a:r>
+            <a:r>
+              <a:rPr lang="en-US" dirty="0"/>
+              <a:t>з</a:t>
+            </a:r>
+            <a:r>
+              <a:rPr lang="ru-RU" dirty="0"/>
+              <a:t>а</a:t>
+            </a:r>
+            <a:r>
+              <a:rPr lang="en-US" dirty="0"/>
+              <a:t>н</a:t>
+            </a:r>
+            <a:r>
+              <a:rPr lang="ru-RU" dirty="0"/>
+              <a:t>н</a:t>
+            </a:r>
+            <a:r>
+              <a:rPr lang="en-US" dirty="0"/>
+              <a:t>о</a:t>
+            </a:r>
+            <a:r>
+              <a:rPr lang="ru-RU" dirty="0"/>
+              <a:t>й</a:t>
+            </a:r>
+            <a:r>
+              <a:rPr lang="en-US" dirty="0"/>
+              <a:t> </a:t>
+            </a:r>
+            <a:r>
+              <a:rPr lang="ru-RU" dirty="0"/>
+              <a:t>в</a:t>
+            </a:r>
+            <a:r>
+              <a:rPr lang="en-US" dirty="0"/>
+              <a:t>е</a:t>
+            </a:r>
+            <a:r>
+              <a:rPr lang="ru-RU" dirty="0"/>
+              <a:t>л</a:t>
+            </a:r>
+            <a:r>
+              <a:rPr lang="en-US" dirty="0"/>
+              <a:t>и</a:t>
+            </a:r>
+            <a:r>
+              <a:rPr lang="ru-RU" dirty="0"/>
+              <a:t>ч</a:t>
+            </a:r>
+            <a:r>
+              <a:rPr lang="en-US" dirty="0"/>
+              <a:t>и</a:t>
+            </a:r>
+            <a:r>
+              <a:rPr lang="ru-RU" dirty="0"/>
+              <a:t>н</a:t>
+            </a:r>
+            <a:r>
+              <a:rPr lang="en-US" dirty="0"/>
+              <a:t>ы.</a:t>
+            </a:r>
+            <a:endParaRPr lang="ru-RU" dirty="0"/>
           </a:p>
           <a:p>
             <a:endParaRPr lang="ru-RU" dirty="0"/>
@@ -6890,6 +7634,936 @@
           <p:cNvPr id="2" name="Заголовок 1">
             <a:extLst>
               <a:ext uri="{FF2B5EF4-FFF2-40B4-BE49-F238E27FC236}">
+                <a16:creationId xmlns:a16="http://schemas.microsoft.com/office/drawing/2014/main" id="{D1F43172-A48D-4009-BCB0-2B6AD440A753}"/>
+              </a:ext>
+            </a:extLst>
+          </p:cNvPr>
+          <p:cNvSpPr>
+            <a:spLocks noGrp="1"/>
+          </p:cNvSpPr>
+          <p:nvPr>
+            <p:ph type="title"/>
+          </p:nvPr>
+        </p:nvSpPr>
+        <p:spPr/>
+        <p:txBody>
+          <a:bodyPr/>
+          <a:lstStyle/>
+          <a:p>
+            <a:r>
+              <a:rPr lang="ru-RU" dirty="0"/>
+              <a:t>Ош</a:t>
+            </a:r>
+            <a:r>
+              <a:rPr lang="en-US" dirty="0"/>
+              <a:t>и</a:t>
+            </a:r>
+            <a:r>
+              <a:rPr lang="ru-RU" dirty="0"/>
+              <a:t>б</a:t>
+            </a:r>
+            <a:r>
+              <a:rPr lang="en-US" dirty="0"/>
+              <a:t>к</a:t>
+            </a:r>
+            <a:r>
+              <a:rPr lang="ru-RU" dirty="0"/>
+              <a:t>а</a:t>
+            </a:r>
+            <a:r>
+              <a:rPr lang="en-US" dirty="0"/>
+              <a:t> - </a:t>
+            </a:r>
+            <a:r>
+              <a:rPr lang="ru-RU" dirty="0"/>
+              <a:t>д</a:t>
+            </a:r>
+            <a:r>
+              <a:rPr lang="en-US" dirty="0" err="1"/>
+              <a:t>еньги</a:t>
+            </a:r>
+            <a:endParaRPr lang="ru-RU" dirty="0"/>
+          </a:p>
+        </p:txBody>
+      </p:sp>
+      <p:sp>
+        <p:nvSpPr>
+          <p:cNvPr id="3" name="Объект 2">
+            <a:extLst>
+              <a:ext uri="{FF2B5EF4-FFF2-40B4-BE49-F238E27FC236}">
+                <a16:creationId xmlns:a16="http://schemas.microsoft.com/office/drawing/2014/main" id="{EFE9CF9C-F9C2-4BB5-A655-69FFE870C445}"/>
+              </a:ext>
+            </a:extLst>
+          </p:cNvPr>
+          <p:cNvSpPr>
+            <a:spLocks noGrp="1"/>
+          </p:cNvSpPr>
+          <p:nvPr>
+            <p:ph idx="1"/>
+          </p:nvPr>
+        </p:nvSpPr>
+        <p:spPr/>
+        <p:txBody>
+          <a:bodyPr>
+            <a:normAutofit fontScale="85000" lnSpcReduction="20000"/>
+          </a:bodyPr>
+          <a:lstStyle/>
+          <a:p>
+            <a:pPr marL="0" indent="0">
+              <a:buNone/>
+            </a:pPr>
+            <a:r>
+              <a:rPr lang="ru-RU" dirty="0"/>
+              <a:t>С</a:t>
+            </a:r>
+            <a:r>
+              <a:rPr lang="en-US" dirty="0"/>
+              <a:t>р</a:t>
+            </a:r>
+            <a:r>
+              <a:rPr lang="ru-RU" dirty="0"/>
+              <a:t>е</a:t>
+            </a:r>
+            <a:r>
+              <a:rPr lang="en-US" dirty="0"/>
+              <a:t>д</a:t>
+            </a:r>
+            <a:r>
+              <a:rPr lang="ru-RU" dirty="0"/>
+              <a:t>н</a:t>
+            </a:r>
+            <a:r>
+              <a:rPr lang="en-US" dirty="0"/>
+              <a:t>я</a:t>
+            </a:r>
+            <a:r>
+              <a:rPr lang="ru-RU" dirty="0"/>
+              <a:t>я</a:t>
+            </a:r>
+            <a:r>
+              <a:rPr lang="en-US" dirty="0"/>
+              <a:t> </a:t>
+            </a:r>
+            <a:r>
+              <a:rPr lang="ru-RU" dirty="0"/>
+              <a:t>п</a:t>
+            </a:r>
+            <a:r>
+              <a:rPr lang="en-US" dirty="0"/>
+              <a:t>о</a:t>
+            </a:r>
+            <a:r>
+              <a:rPr lang="ru-RU" dirty="0"/>
+              <a:t>г</a:t>
+            </a:r>
+            <a:r>
+              <a:rPr lang="en-US" dirty="0"/>
+              <a:t>р</a:t>
+            </a:r>
+            <a:r>
+              <a:rPr lang="ru-RU" dirty="0"/>
+              <a:t>е</a:t>
+            </a:r>
+            <a:r>
+              <a:rPr lang="en-US" dirty="0"/>
+              <a:t>ш</a:t>
+            </a:r>
+            <a:r>
+              <a:rPr lang="ru-RU" dirty="0"/>
+              <a:t>н</a:t>
+            </a:r>
+            <a:r>
+              <a:rPr lang="en-US" dirty="0"/>
+              <a:t>о</a:t>
+            </a:r>
+            <a:r>
+              <a:rPr lang="ru-RU" dirty="0"/>
+              <a:t>с</a:t>
+            </a:r>
+            <a:r>
+              <a:rPr lang="en-US" dirty="0"/>
+              <a:t>т</a:t>
+            </a:r>
+            <a:r>
+              <a:rPr lang="ru-RU" dirty="0"/>
+              <a:t>ь</a:t>
+            </a:r>
+            <a:r>
+              <a:rPr lang="en-US" dirty="0"/>
+              <a:t> </a:t>
+            </a:r>
+            <a:r>
+              <a:rPr lang="ru-RU" dirty="0"/>
+              <a:t>п</a:t>
+            </a:r>
+            <a:r>
+              <a:rPr lang="en-US" dirty="0"/>
+              <a:t>р</a:t>
+            </a:r>
+            <a:r>
+              <a:rPr lang="ru-RU" dirty="0"/>
+              <a:t>и</a:t>
+            </a:r>
+            <a:r>
+              <a:rPr lang="en-US" dirty="0"/>
+              <a:t> </a:t>
+            </a:r>
+            <a:r>
+              <a:rPr lang="ru-RU" dirty="0"/>
+              <a:t>о</a:t>
+            </a:r>
+            <a:r>
+              <a:rPr lang="en-US" dirty="0"/>
+              <a:t>ц</a:t>
+            </a:r>
+            <a:r>
+              <a:rPr lang="ru-RU" dirty="0"/>
+              <a:t>е</a:t>
+            </a:r>
+            <a:r>
+              <a:rPr lang="en-US" dirty="0"/>
+              <a:t>н</a:t>
+            </a:r>
+            <a:r>
+              <a:rPr lang="ru-RU" dirty="0"/>
+              <a:t>к</a:t>
+            </a:r>
+            <a:r>
+              <a:rPr lang="en-US" dirty="0"/>
+              <a:t>е </a:t>
+            </a:r>
+            <a:r>
+              <a:rPr lang="ru-RU" dirty="0"/>
+              <a:t>д</a:t>
+            </a:r>
+            <a:r>
+              <a:rPr lang="en-US" dirty="0"/>
+              <a:t>о</a:t>
+            </a:r>
+            <a:r>
+              <a:rPr lang="ru-RU" dirty="0"/>
+              <a:t>м</a:t>
+            </a:r>
+            <a:r>
+              <a:rPr lang="en-US" dirty="0"/>
+              <a:t>а:</a:t>
+            </a:r>
+          </a:p>
+          <a:p>
+            <a:pPr marL="0" indent="0" algn="ctr">
+              <a:buNone/>
+            </a:pPr>
+            <a:r>
+              <a:rPr lang="en-US" dirty="0"/>
+              <a:t>S_</a:t>
+            </a:r>
+            <a:r>
+              <a:rPr lang="ru-RU" dirty="0"/>
+              <a:t>с</a:t>
+            </a:r>
+            <a:r>
+              <a:rPr lang="en-US" dirty="0"/>
+              <a:t>р. x MAE = 2615</a:t>
+            </a:r>
+            <a:r>
+              <a:rPr lang="ru-RU" dirty="0"/>
+              <a:t>к</a:t>
+            </a:r>
+            <a:r>
+              <a:rPr lang="en-US" dirty="0"/>
+              <a:t>в.</a:t>
+            </a:r>
+            <a:r>
+              <a:rPr lang="ru-RU" dirty="0"/>
+              <a:t>ф</a:t>
+            </a:r>
+            <a:r>
+              <a:rPr lang="en-US" dirty="0"/>
+              <a:t>т x 19$/</a:t>
+            </a:r>
+            <a:r>
+              <a:rPr lang="ru-RU" dirty="0"/>
+              <a:t>к</a:t>
+            </a:r>
+            <a:r>
+              <a:rPr lang="en-US" dirty="0" err="1"/>
+              <a:t>в.фт</a:t>
+            </a:r>
+            <a:r>
+              <a:rPr lang="en-US" dirty="0"/>
+              <a:t> = 49685$</a:t>
+            </a:r>
+          </a:p>
+          <a:p>
+            <a:pPr marL="0" indent="0">
+              <a:buNone/>
+            </a:pPr>
+            <a:r>
+              <a:rPr lang="ru-RU" dirty="0"/>
+              <a:t>С</a:t>
+            </a:r>
+            <a:r>
+              <a:rPr lang="en-US" dirty="0"/>
+              <a:t>р</a:t>
+            </a:r>
+            <a:r>
+              <a:rPr lang="ru-RU" dirty="0"/>
+              <a:t>е</a:t>
+            </a:r>
+            <a:r>
+              <a:rPr lang="en-US" dirty="0"/>
+              <a:t>д</a:t>
+            </a:r>
+            <a:r>
+              <a:rPr lang="ru-RU" dirty="0"/>
+              <a:t>н</a:t>
+            </a:r>
+            <a:r>
+              <a:rPr lang="en-US" dirty="0"/>
+              <a:t>я</a:t>
+            </a:r>
+            <a:r>
+              <a:rPr lang="ru-RU" dirty="0"/>
+              <a:t>я</a:t>
+            </a:r>
+            <a:r>
+              <a:rPr lang="en-US" dirty="0"/>
+              <a:t> </a:t>
+            </a:r>
+            <a:r>
+              <a:rPr lang="ru-RU" dirty="0"/>
+              <a:t>с</a:t>
+            </a:r>
+            <a:r>
+              <a:rPr lang="en-US" dirty="0"/>
+              <a:t>т</a:t>
+            </a:r>
+            <a:r>
+              <a:rPr lang="ru-RU" dirty="0"/>
+              <a:t>о</a:t>
+            </a:r>
+            <a:r>
+              <a:rPr lang="en-US" dirty="0"/>
+              <a:t>и</a:t>
+            </a:r>
+            <a:r>
+              <a:rPr lang="ru-RU" dirty="0"/>
+              <a:t>м</a:t>
+            </a:r>
+            <a:r>
+              <a:rPr lang="en-US" dirty="0"/>
+              <a:t>о</a:t>
+            </a:r>
+            <a:r>
+              <a:rPr lang="ru-RU" dirty="0"/>
+              <a:t>с</a:t>
+            </a:r>
+            <a:r>
+              <a:rPr lang="en-US" dirty="0"/>
+              <a:t>т</a:t>
+            </a:r>
+            <a:r>
+              <a:rPr lang="ru-RU" dirty="0"/>
+              <a:t>ь</a:t>
+            </a:r>
+            <a:r>
+              <a:rPr lang="en-US" dirty="0"/>
+              <a:t> </a:t>
+            </a:r>
+            <a:r>
+              <a:rPr lang="ru-RU" dirty="0"/>
+              <a:t>д</a:t>
+            </a:r>
+            <a:r>
+              <a:rPr lang="en-US" dirty="0"/>
+              <a:t>о</a:t>
+            </a:r>
+            <a:r>
+              <a:rPr lang="ru-RU" dirty="0"/>
+              <a:t>м</a:t>
+            </a:r>
+            <a:r>
+              <a:rPr lang="en-US" dirty="0"/>
+              <a:t>а:</a:t>
+            </a:r>
+          </a:p>
+          <a:p>
+            <a:pPr marL="0" indent="0" algn="ctr">
+              <a:buNone/>
+            </a:pPr>
+            <a:r>
+              <a:rPr lang="en-US" dirty="0" err="1"/>
+              <a:t>S_ср</a:t>
+            </a:r>
+            <a:r>
+              <a:rPr lang="en-US" dirty="0"/>
+              <a:t>. x Price/</a:t>
+            </a:r>
+            <a:r>
+              <a:rPr lang="en-US" dirty="0" err="1"/>
+              <a:t>sqft_cp</a:t>
+            </a:r>
+            <a:r>
+              <a:rPr lang="en-US" dirty="0"/>
+              <a:t>. = 2615кв.фт x 162$/</a:t>
+            </a:r>
+            <a:r>
+              <a:rPr lang="en-US" dirty="0" err="1"/>
+              <a:t>кв.фт</a:t>
+            </a:r>
+            <a:r>
+              <a:rPr lang="en-US" dirty="0"/>
+              <a:t> = 423630$</a:t>
+            </a:r>
+          </a:p>
+          <a:p>
+            <a:pPr marL="0" indent="0">
+              <a:buNone/>
+            </a:pPr>
+            <a:r>
+              <a:rPr lang="ru-RU" dirty="0"/>
+              <a:t>В</a:t>
+            </a:r>
+            <a:r>
+              <a:rPr lang="en-US" dirty="0"/>
+              <a:t> </a:t>
+            </a:r>
+            <a:r>
+              <a:rPr lang="ru-RU" dirty="0"/>
+              <a:t>п</a:t>
+            </a:r>
+            <a:r>
+              <a:rPr lang="en-US" dirty="0"/>
+              <a:t>р</a:t>
+            </a:r>
+            <a:r>
+              <a:rPr lang="ru-RU" dirty="0"/>
+              <a:t>о</a:t>
+            </a:r>
+            <a:r>
+              <a:rPr lang="en-US" dirty="0"/>
+              <a:t>ц</a:t>
+            </a:r>
+            <a:r>
+              <a:rPr lang="ru-RU" dirty="0"/>
+              <a:t>е</a:t>
+            </a:r>
+            <a:r>
+              <a:rPr lang="en-US" dirty="0"/>
+              <a:t>н</a:t>
+            </a:r>
+            <a:r>
+              <a:rPr lang="ru-RU" dirty="0"/>
+              <a:t>т</a:t>
+            </a:r>
+            <a:r>
+              <a:rPr lang="en-US" dirty="0"/>
+              <a:t>а</a:t>
+            </a:r>
+            <a:r>
+              <a:rPr lang="ru-RU" dirty="0"/>
+              <a:t>х</a:t>
+            </a:r>
+            <a:r>
+              <a:rPr lang="en-US" dirty="0"/>
+              <a:t>:</a:t>
+            </a:r>
+          </a:p>
+          <a:p>
+            <a:pPr marL="0" indent="0" algn="ctr">
+              <a:buNone/>
+            </a:pPr>
+            <a:r>
+              <a:rPr lang="en-US" dirty="0"/>
+              <a:t>49685$ / 423630$ * 100% = 11,7%</a:t>
+            </a:r>
+          </a:p>
+          <a:p>
+            <a:endParaRPr lang="en-US" dirty="0"/>
+          </a:p>
+          <a:p>
+            <a:pPr marL="0" indent="0">
+              <a:buNone/>
+            </a:pPr>
+            <a:r>
+              <a:rPr lang="en-US" b="1" dirty="0"/>
+              <a:t>S_</a:t>
+            </a:r>
+            <a:r>
+              <a:rPr lang="ru-RU" b="1" dirty="0"/>
+              <a:t>с</a:t>
+            </a:r>
+            <a:r>
+              <a:rPr lang="en-US" b="1" dirty="0"/>
+              <a:t>р. </a:t>
+            </a:r>
+            <a:r>
+              <a:rPr lang="en-US" dirty="0"/>
+              <a:t>- с</a:t>
+            </a:r>
+            <a:r>
+              <a:rPr lang="ru-RU" dirty="0"/>
+              <a:t>р</a:t>
+            </a:r>
+            <a:r>
+              <a:rPr lang="en-US" dirty="0"/>
+              <a:t>е</a:t>
+            </a:r>
+            <a:r>
+              <a:rPr lang="ru-RU" dirty="0"/>
+              <a:t>д</a:t>
+            </a:r>
+            <a:r>
+              <a:rPr lang="en-US" dirty="0"/>
+              <a:t>н</a:t>
+            </a:r>
+            <a:r>
+              <a:rPr lang="ru-RU" dirty="0"/>
+              <a:t>я</a:t>
+            </a:r>
+            <a:r>
+              <a:rPr lang="en-US" dirty="0"/>
+              <a:t>я </a:t>
+            </a:r>
+            <a:r>
+              <a:rPr lang="ru-RU" dirty="0"/>
+              <a:t>п</a:t>
+            </a:r>
+            <a:r>
+              <a:rPr lang="en-US" dirty="0"/>
+              <a:t>л</a:t>
+            </a:r>
+            <a:r>
+              <a:rPr lang="ru-RU" dirty="0"/>
+              <a:t>о</a:t>
+            </a:r>
+            <a:r>
+              <a:rPr lang="en-US" dirty="0"/>
+              <a:t>щ</a:t>
+            </a:r>
+            <a:r>
+              <a:rPr lang="ru-RU" dirty="0"/>
+              <a:t>а</a:t>
+            </a:r>
+            <a:r>
+              <a:rPr lang="en-US" dirty="0"/>
+              <a:t>д</a:t>
+            </a:r>
+            <a:r>
+              <a:rPr lang="ru-RU" dirty="0"/>
+              <a:t>ь</a:t>
+            </a:r>
+            <a:r>
+              <a:rPr lang="en-US" dirty="0"/>
+              <a:t> </a:t>
+            </a:r>
+            <a:r>
+              <a:rPr lang="ru-RU" dirty="0"/>
+              <a:t>д</a:t>
+            </a:r>
+            <a:r>
+              <a:rPr lang="en-US" dirty="0"/>
+              <a:t>о</a:t>
+            </a:r>
+            <a:r>
+              <a:rPr lang="ru-RU" dirty="0"/>
+              <a:t>м</a:t>
+            </a:r>
+            <a:r>
+              <a:rPr lang="en-US" dirty="0"/>
+              <a:t>а </a:t>
+            </a:r>
+            <a:r>
+              <a:rPr lang="ru-RU" dirty="0"/>
+              <a:t>в</a:t>
+            </a:r>
+            <a:r>
+              <a:rPr lang="en-US" dirty="0"/>
+              <a:t> </a:t>
+            </a:r>
+            <a:r>
+              <a:rPr lang="ru-RU" dirty="0"/>
+              <a:t>г</a:t>
+            </a:r>
+            <a:r>
+              <a:rPr lang="en-US" dirty="0"/>
+              <a:t>о</a:t>
+            </a:r>
+            <a:r>
+              <a:rPr lang="ru-RU" dirty="0"/>
+              <a:t>р</a:t>
+            </a:r>
+            <a:r>
+              <a:rPr lang="en-US" dirty="0"/>
+              <a:t>о</a:t>
+            </a:r>
+            <a:r>
+              <a:rPr lang="ru-RU" dirty="0"/>
+              <a:t>д</a:t>
+            </a:r>
+            <a:r>
+              <a:rPr lang="en-US" dirty="0"/>
+              <a:t>е, </a:t>
+            </a:r>
+            <a:r>
+              <a:rPr lang="en-US" b="1" dirty="0"/>
+              <a:t>МАЕ</a:t>
+            </a:r>
+            <a:r>
+              <a:rPr lang="en-US" dirty="0"/>
+              <a:t> – </a:t>
+            </a:r>
+            <a:r>
+              <a:rPr lang="en-US" dirty="0" err="1"/>
+              <a:t>средняя</a:t>
+            </a:r>
+            <a:r>
+              <a:rPr lang="en-US" dirty="0"/>
+              <a:t> </a:t>
+            </a:r>
+            <a:r>
+              <a:rPr lang="en-US" dirty="0" err="1"/>
+              <a:t>ошибка</a:t>
+            </a:r>
+            <a:r>
+              <a:rPr lang="en-US" dirty="0"/>
+              <a:t> </a:t>
+            </a:r>
+            <a:r>
+              <a:rPr lang="ru-RU" dirty="0"/>
+              <a:t>п</a:t>
+            </a:r>
+            <a:r>
+              <a:rPr lang="en-US" dirty="0"/>
+              <a:t>р</a:t>
+            </a:r>
+            <a:r>
+              <a:rPr lang="ru-RU" dirty="0"/>
+              <a:t>е</a:t>
+            </a:r>
+            <a:r>
+              <a:rPr lang="en-US" dirty="0"/>
+              <a:t>д</a:t>
+            </a:r>
+            <a:r>
+              <a:rPr lang="ru-RU" dirty="0"/>
+              <a:t>с</a:t>
+            </a:r>
+            <a:r>
+              <a:rPr lang="en-US" dirty="0"/>
+              <a:t>к</a:t>
+            </a:r>
+            <a:r>
+              <a:rPr lang="ru-RU" dirty="0"/>
+              <a:t>а</a:t>
+            </a:r>
+            <a:r>
+              <a:rPr lang="en-US" dirty="0"/>
+              <a:t>з</a:t>
+            </a:r>
+            <a:r>
+              <a:rPr lang="ru-RU" dirty="0"/>
+              <a:t>а</a:t>
+            </a:r>
+            <a:r>
+              <a:rPr lang="en-US" dirty="0"/>
+              <a:t>н</a:t>
+            </a:r>
+            <a:r>
+              <a:rPr lang="ru-RU" dirty="0"/>
+              <a:t>и</a:t>
+            </a:r>
+            <a:r>
+              <a:rPr lang="en-US" dirty="0"/>
+              <a:t>й </a:t>
+            </a:r>
+            <a:r>
+              <a:rPr lang="en-US" dirty="0" err="1"/>
+              <a:t>модели</a:t>
+            </a:r>
+            <a:r>
+              <a:rPr lang="en-US" dirty="0"/>
+              <a:t>, </a:t>
+            </a:r>
+            <a:r>
+              <a:rPr lang="en-US" b="1" dirty="0"/>
+              <a:t>Price/</a:t>
+            </a:r>
+            <a:r>
+              <a:rPr lang="en-US" b="1" dirty="0" err="1"/>
+              <a:t>sqft_cp</a:t>
+            </a:r>
+            <a:r>
+              <a:rPr lang="en-US" b="1" dirty="0"/>
+              <a:t>.</a:t>
+            </a:r>
+            <a:r>
+              <a:rPr lang="en-US" dirty="0"/>
+              <a:t> – </a:t>
+            </a:r>
+            <a:r>
+              <a:rPr lang="ru-RU" dirty="0"/>
+              <a:t>с</a:t>
+            </a:r>
+            <a:r>
+              <a:rPr lang="en-US" dirty="0"/>
+              <a:t>р</a:t>
+            </a:r>
+            <a:r>
+              <a:rPr lang="ru-RU" dirty="0"/>
+              <a:t>е</a:t>
+            </a:r>
+            <a:r>
+              <a:rPr lang="en-US" dirty="0"/>
+              <a:t>д</a:t>
+            </a:r>
+            <a:r>
+              <a:rPr lang="ru-RU" dirty="0"/>
+              <a:t>н</a:t>
+            </a:r>
+            <a:r>
+              <a:rPr lang="en-US" dirty="0"/>
+              <a:t>я</a:t>
+            </a:r>
+            <a:r>
+              <a:rPr lang="ru-RU" dirty="0"/>
+              <a:t>я</a:t>
+            </a:r>
+            <a:r>
+              <a:rPr lang="en-US" dirty="0"/>
+              <a:t> </a:t>
+            </a:r>
+            <a:r>
+              <a:rPr lang="ru-RU" dirty="0"/>
+              <a:t>в</a:t>
+            </a:r>
+            <a:r>
+              <a:rPr lang="en-US" dirty="0"/>
+              <a:t>е</a:t>
+            </a:r>
+            <a:r>
+              <a:rPr lang="ru-RU" dirty="0"/>
+              <a:t>л</a:t>
+            </a:r>
+            <a:r>
+              <a:rPr lang="en-US" dirty="0"/>
+              <a:t>и</a:t>
+            </a:r>
+            <a:r>
+              <a:rPr lang="ru-RU" dirty="0"/>
+              <a:t>ч</a:t>
+            </a:r>
+            <a:r>
+              <a:rPr lang="en-US" dirty="0"/>
+              <a:t>и</a:t>
+            </a:r>
+            <a:r>
+              <a:rPr lang="ru-RU" dirty="0"/>
+              <a:t>н</a:t>
+            </a:r>
+            <a:r>
+              <a:rPr lang="en-US" dirty="0"/>
+              <a:t>а </a:t>
+            </a:r>
+            <a:r>
+              <a:rPr lang="ru-RU" dirty="0"/>
+              <a:t>с</a:t>
+            </a:r>
+            <a:r>
+              <a:rPr lang="en-US" dirty="0"/>
+              <a:t>т</a:t>
+            </a:r>
+            <a:r>
+              <a:rPr lang="ru-RU" dirty="0"/>
+              <a:t>о</a:t>
+            </a:r>
+            <a:r>
+              <a:rPr lang="en-US" dirty="0"/>
+              <a:t>и</a:t>
+            </a:r>
+            <a:r>
+              <a:rPr lang="ru-RU" dirty="0"/>
+              <a:t>м</a:t>
+            </a:r>
+            <a:r>
+              <a:rPr lang="en-US" dirty="0"/>
+              <a:t>о</a:t>
+            </a:r>
+            <a:r>
+              <a:rPr lang="ru-RU" dirty="0"/>
+              <a:t>с</a:t>
+            </a:r>
+            <a:r>
+              <a:rPr lang="en-US" dirty="0"/>
+              <a:t>т</a:t>
+            </a:r>
+            <a:r>
+              <a:rPr lang="ru-RU" dirty="0"/>
+              <a:t>и</a:t>
+            </a:r>
+            <a:r>
+              <a:rPr lang="en-US" dirty="0"/>
+              <a:t> </a:t>
+            </a:r>
+            <a:r>
+              <a:rPr lang="ru-RU" dirty="0"/>
+              <a:t>о</a:t>
+            </a:r>
+            <a:r>
+              <a:rPr lang="en-US" dirty="0"/>
+              <a:t>д</a:t>
+            </a:r>
+            <a:r>
+              <a:rPr lang="ru-RU" dirty="0"/>
+              <a:t>н</a:t>
+            </a:r>
+            <a:r>
+              <a:rPr lang="en-US" dirty="0"/>
+              <a:t>о</a:t>
+            </a:r>
+            <a:r>
+              <a:rPr lang="ru-RU" dirty="0"/>
+              <a:t>г</a:t>
+            </a:r>
+            <a:r>
+              <a:rPr lang="en-US" dirty="0"/>
+              <a:t>о </a:t>
+            </a:r>
+            <a:r>
+              <a:rPr lang="ru-RU" dirty="0"/>
+              <a:t>к</a:t>
+            </a:r>
+            <a:r>
+              <a:rPr lang="en-US" dirty="0"/>
+              <a:t>в</a:t>
+            </a:r>
+            <a:r>
+              <a:rPr lang="ru-RU" dirty="0"/>
+              <a:t>а</a:t>
+            </a:r>
+            <a:r>
+              <a:rPr lang="en-US" dirty="0"/>
+              <a:t>д</a:t>
+            </a:r>
+            <a:r>
+              <a:rPr lang="ru-RU" dirty="0"/>
+              <a:t>р</a:t>
+            </a:r>
+            <a:r>
+              <a:rPr lang="en-US" dirty="0"/>
+              <a:t>а</a:t>
+            </a:r>
+            <a:r>
+              <a:rPr lang="ru-RU" dirty="0"/>
+              <a:t>т</a:t>
+            </a:r>
+            <a:r>
+              <a:rPr lang="en-US" dirty="0"/>
+              <a:t>н</a:t>
+            </a:r>
+            <a:r>
+              <a:rPr lang="ru-RU" dirty="0"/>
+              <a:t>о</a:t>
+            </a:r>
+            <a:r>
+              <a:rPr lang="en-US" dirty="0"/>
+              <a:t>г</a:t>
+            </a:r>
+            <a:r>
+              <a:rPr lang="ru-RU" dirty="0"/>
+              <a:t>о</a:t>
+            </a:r>
+            <a:r>
+              <a:rPr lang="en-US" dirty="0"/>
+              <a:t> </a:t>
+            </a:r>
+            <a:r>
+              <a:rPr lang="ru-RU" dirty="0"/>
+              <a:t>ф</a:t>
+            </a:r>
+            <a:r>
+              <a:rPr lang="en-US" dirty="0"/>
+              <a:t>у</a:t>
+            </a:r>
+            <a:r>
+              <a:rPr lang="ru-RU" dirty="0"/>
+              <a:t>т</a:t>
+            </a:r>
+            <a:r>
+              <a:rPr lang="en-US" dirty="0"/>
+              <a:t>а </a:t>
+            </a:r>
+            <a:r>
+              <a:rPr lang="ru-RU" dirty="0"/>
+              <a:t>в</a:t>
+            </a:r>
+            <a:r>
+              <a:rPr lang="en-US" dirty="0"/>
+              <a:t> </a:t>
+            </a:r>
+            <a:r>
+              <a:rPr lang="ru-RU" dirty="0"/>
+              <a:t>г</a:t>
+            </a:r>
+            <a:r>
+              <a:rPr lang="en-US" dirty="0"/>
+              <a:t>о</a:t>
+            </a:r>
+            <a:r>
+              <a:rPr lang="ru-RU" dirty="0"/>
+              <a:t>р</a:t>
+            </a:r>
+            <a:r>
+              <a:rPr lang="en-US" dirty="0"/>
+              <a:t>о</a:t>
+            </a:r>
+            <a:r>
+              <a:rPr lang="ru-RU" dirty="0"/>
+              <a:t>д</a:t>
+            </a:r>
+            <a:r>
+              <a:rPr lang="en-US" dirty="0"/>
+              <a:t>е.</a:t>
+            </a:r>
+            <a:endParaRPr lang="ru-RU" dirty="0"/>
+          </a:p>
+        </p:txBody>
+      </p:sp>
+    </p:spTree>
+    <p:extLst>
+      <p:ext uri="{BB962C8B-B14F-4D97-AF65-F5344CB8AC3E}">
+        <p14:creationId xmlns:p14="http://schemas.microsoft.com/office/powerpoint/2010/main" val="899600765"/>
+      </p:ext>
+    </p:extLst>
+  </p:cSld>
+  <p:clrMapOvr>
+    <a:masterClrMapping/>
+  </p:clrMapOvr>
+</p:sld>
+</file>
+
+<file path=ppt/slides/slide8.xml><?xml version="1.0" encoding="utf-8"?>
+<p:sld xmlns:a="http://schemas.openxmlformats.org/drawingml/2006/main" xmlns:r="http://schemas.openxmlformats.org/officeDocument/2006/relationships" xmlns:p="http://schemas.openxmlformats.org/presentationml/2006/main">
+  <p:cSld>
+    <p:spTree>
+      <p:nvGrpSpPr>
+        <p:cNvPr id="1" name=""/>
+        <p:cNvGrpSpPr/>
+        <p:nvPr/>
+      </p:nvGrpSpPr>
+      <p:grpSpPr>
+        <a:xfrm>
+          <a:off x="0" y="0"/>
+          <a:ext cx="0" cy="0"/>
+          <a:chOff x="0" y="0"/>
+          <a:chExt cx="0" cy="0"/>
+        </a:xfrm>
+      </p:grpSpPr>
+      <p:sp>
+        <p:nvSpPr>
+          <p:cNvPr id="2" name="Заголовок 1">
+            <a:extLst>
+              <a:ext uri="{FF2B5EF4-FFF2-40B4-BE49-F238E27FC236}">
                 <a16:creationId xmlns:a16="http://schemas.microsoft.com/office/drawing/2014/main" id="{8A489ED8-71BA-4FF7-9033-C49F19D12A97}"/>
               </a:ext>
             </a:extLst>
@@ -6982,8 +8656,13 @@
           <a:p>
             <a:r>
               <a:rPr lang="ru-RU" dirty="0"/>
-              <a:t>Пример для проверки</a:t>
-            </a:r>
+              <a:t>Пример </a:t>
+            </a:r>
+            <a:r>
+              <a:rPr lang="en-US" dirty="0" err="1"/>
+              <a:t>объявления</a:t>
+            </a:r>
+            <a:endParaRPr lang="ru-RU" dirty="0"/>
           </a:p>
           <a:p>
             <a:r>
@@ -7036,7 +8715,7 @@
 </p:sld>
 </file>
 
-<file path=ppt/slides/slide8.xml><?xml version="1.0" encoding="utf-8"?>
+<file path=ppt/slides/slide9.xml><?xml version="1.0" encoding="utf-8"?>
 <p:sld xmlns:a="http://schemas.openxmlformats.org/drawingml/2006/main" xmlns:r="http://schemas.openxmlformats.org/officeDocument/2006/relationships" xmlns:p="http://schemas.openxmlformats.org/presentationml/2006/main">
   <p:cSld>
     <p:spTree>

--- a/Дипломный проект/Sokolov_presentation.pptx
+++ b/Дипломный проект/Sokolov_presentation.pptx
@@ -966,12 +966,25 @@
             </a:r>
             <a:r>
               <a:rPr lang="en-US" sz="1200" dirty="0"/>
-              <a:t>0-1 </a:t>
-            </a:r>
-            <a:r>
-              <a:rPr lang="ru-RU" sz="1200" dirty="0"/>
-              <a:t>- чем выше тем лучше.</a:t>
-            </a:r>
+              <a:t> 0.8-1.0 </a:t>
+            </a:r>
+            <a:r>
+              <a:rPr lang="en-US" sz="1200" dirty="0" err="1"/>
+              <a:t>хорошая</a:t>
+            </a:r>
+            <a:r>
+              <a:rPr lang="en-US" sz="1200" dirty="0"/>
+              <a:t> </a:t>
+            </a:r>
+            <a:r>
+              <a:rPr lang="en-US" sz="1200" dirty="0" err="1"/>
+              <a:t>модель</a:t>
+            </a:r>
+            <a:r>
+              <a:rPr lang="en-US" sz="1200"/>
+              <a:t>.</a:t>
+            </a:r>
+            <a:endParaRPr lang="ru-RU" sz="1200" dirty="0"/>
           </a:p>
           <a:p>
             <a:r>
@@ -5565,9 +5578,364 @@
         </p:spPr>
         <p:txBody>
           <a:bodyPr>
-            <a:normAutofit fontScale="92500" lnSpcReduction="20000"/>
+            <a:normAutofit fontScale="55000" lnSpcReduction="20000"/>
           </a:bodyPr>
           <a:lstStyle/>
+          <a:p>
+            <a:pPr lvl="0"/>
+            <a:r>
+              <a:rPr lang="en-US" dirty="0"/>
+              <a:t>377185 </a:t>
+            </a:r>
+            <a:r>
+              <a:rPr lang="ru-RU" dirty="0"/>
+              <a:t>з</a:t>
+            </a:r>
+            <a:r>
+              <a:rPr lang="en-US" dirty="0"/>
+              <a:t>а</a:t>
+            </a:r>
+            <a:r>
+              <a:rPr lang="ru-RU" dirty="0"/>
+              <a:t>п</a:t>
+            </a:r>
+            <a:r>
+              <a:rPr lang="en-US" dirty="0"/>
+              <a:t>и</a:t>
+            </a:r>
+            <a:r>
+              <a:rPr lang="ru-RU" dirty="0"/>
+              <a:t>с</a:t>
+            </a:r>
+            <a:r>
+              <a:rPr lang="en-US" dirty="0" err="1"/>
+              <a:t>ей</a:t>
+            </a:r>
+            <a:r>
+              <a:rPr lang="en-US" dirty="0"/>
+              <a:t>, 18 </a:t>
+            </a:r>
+            <a:r>
+              <a:rPr lang="en-US" dirty="0" err="1"/>
+              <a:t>признаков</a:t>
+            </a:r>
+            <a:r>
+              <a:rPr lang="en-US" dirty="0"/>
+              <a:t>, 2 </a:t>
+            </a:r>
+            <a:r>
+              <a:rPr lang="en-US" dirty="0" err="1"/>
+              <a:t>признака</a:t>
+            </a:r>
+            <a:r>
+              <a:rPr lang="en-US" dirty="0"/>
+              <a:t> – </a:t>
+            </a:r>
+            <a:r>
+              <a:rPr lang="en-US" dirty="0" err="1"/>
+              <a:t>объект</a:t>
+            </a:r>
+            <a:r>
+              <a:rPr lang="en-US" dirty="0"/>
+              <a:t> </a:t>
+            </a:r>
+            <a:r>
+              <a:rPr lang="en-US" dirty="0" err="1"/>
+              <a:t>содержащий</a:t>
+            </a:r>
+            <a:r>
+              <a:rPr lang="en-US" dirty="0"/>
+              <a:t> </a:t>
+            </a:r>
+            <a:r>
+              <a:rPr lang="en-US" dirty="0" err="1"/>
+              <a:t>дополнительные</a:t>
+            </a:r>
+            <a:r>
+              <a:rPr lang="en-US" dirty="0"/>
+              <a:t> </a:t>
+            </a:r>
+            <a:r>
+              <a:rPr lang="en-US" dirty="0" err="1"/>
+              <a:t>признаки</a:t>
+            </a:r>
+            <a:r>
+              <a:rPr lang="en-US" dirty="0"/>
+              <a:t>. 1909 </a:t>
+            </a:r>
+            <a:r>
+              <a:rPr lang="ru-RU" dirty="0"/>
+              <a:t>г</a:t>
+            </a:r>
+            <a:r>
+              <a:rPr lang="en-US" dirty="0"/>
+              <a:t>о</a:t>
+            </a:r>
+            <a:r>
+              <a:rPr lang="ru-RU" dirty="0"/>
+              <a:t>р</a:t>
+            </a:r>
+            <a:r>
+              <a:rPr lang="en-US" dirty="0"/>
+              <a:t>о</a:t>
+            </a:r>
+            <a:r>
+              <a:rPr lang="ru-RU" dirty="0"/>
+              <a:t>д</a:t>
+            </a:r>
+            <a:r>
+              <a:rPr lang="en-US" dirty="0" err="1"/>
+              <a:t>ов</a:t>
+            </a:r>
+            <a:r>
+              <a:rPr lang="en-US" dirty="0"/>
+              <a:t> в 38 </a:t>
+            </a:r>
+            <a:r>
+              <a:rPr lang="en-US" dirty="0" err="1"/>
+              <a:t>штатах</a:t>
+            </a:r>
+            <a:r>
+              <a:rPr lang="en-US" dirty="0"/>
+              <a:t>.</a:t>
+            </a:r>
+          </a:p>
+          <a:p>
+            <a:pPr lvl="0"/>
+            <a:r>
+              <a:rPr lang="ru-RU" dirty="0"/>
+              <a:t>И</a:t>
+            </a:r>
+            <a:r>
+              <a:rPr lang="en-US" dirty="0"/>
+              <a:t>с</a:t>
+            </a:r>
+            <a:r>
+              <a:rPr lang="ru-RU" dirty="0"/>
+              <a:t>х</a:t>
+            </a:r>
+            <a:r>
+              <a:rPr lang="en-US" dirty="0"/>
+              <a:t>о</a:t>
+            </a:r>
+            <a:r>
+              <a:rPr lang="ru-RU" dirty="0"/>
+              <a:t>д</a:t>
+            </a:r>
+            <a:r>
+              <a:rPr lang="en-US" dirty="0"/>
+              <a:t>н</a:t>
+            </a:r>
+            <a:r>
+              <a:rPr lang="ru-RU" dirty="0"/>
+              <a:t>ы</a:t>
+            </a:r>
+            <a:r>
+              <a:rPr lang="en-US" dirty="0"/>
+              <a:t>е </a:t>
+            </a:r>
+            <a:r>
+              <a:rPr lang="ru-RU" dirty="0"/>
+              <a:t>д</a:t>
+            </a:r>
+            <a:r>
+              <a:rPr lang="en-US" dirty="0"/>
+              <a:t>а</a:t>
+            </a:r>
+            <a:r>
+              <a:rPr lang="ru-RU" dirty="0"/>
+              <a:t>н</a:t>
+            </a:r>
+            <a:r>
+              <a:rPr lang="en-US" dirty="0"/>
+              <a:t>н</a:t>
+            </a:r>
+            <a:r>
+              <a:rPr lang="ru-RU" dirty="0"/>
+              <a:t>ы</a:t>
+            </a:r>
+            <a:r>
+              <a:rPr lang="en-US" dirty="0"/>
+              <a:t>е </a:t>
+            </a:r>
+            <a:r>
+              <a:rPr lang="ru-RU" dirty="0"/>
+              <a:t>т</a:t>
+            </a:r>
+            <a:r>
+              <a:rPr lang="en-US" dirty="0"/>
+              <a:t>р</a:t>
+            </a:r>
+            <a:r>
+              <a:rPr lang="ru-RU" dirty="0"/>
+              <a:t>е</a:t>
+            </a:r>
+            <a:r>
+              <a:rPr lang="en-US" dirty="0"/>
+              <a:t>б</a:t>
+            </a:r>
+            <a:r>
+              <a:rPr lang="ru-RU" dirty="0"/>
+              <a:t>у</a:t>
+            </a:r>
+            <a:r>
+              <a:rPr lang="en-US" dirty="0"/>
+              <a:t>ю</a:t>
+            </a:r>
+            <a:r>
+              <a:rPr lang="ru-RU" dirty="0"/>
+              <a:t>т</a:t>
+            </a:r>
+            <a:r>
+              <a:rPr lang="en-US" dirty="0"/>
+              <a:t> </a:t>
+            </a:r>
+            <a:r>
+              <a:rPr lang="ru-RU" dirty="0"/>
+              <a:t>б</a:t>
+            </a:r>
+            <a:r>
+              <a:rPr lang="en-US" dirty="0"/>
+              <a:t>о</a:t>
+            </a:r>
+            <a:r>
+              <a:rPr lang="ru-RU" dirty="0"/>
+              <a:t>л</a:t>
+            </a:r>
+            <a:r>
+              <a:rPr lang="en-US" dirty="0"/>
+              <a:t>ь</a:t>
+            </a:r>
+            <a:r>
+              <a:rPr lang="ru-RU" dirty="0"/>
+              <a:t>ш</a:t>
+            </a:r>
+            <a:r>
+              <a:rPr lang="en-US" dirty="0" err="1"/>
+              <a:t>ой</a:t>
+            </a:r>
+            <a:r>
+              <a:rPr lang="en-US" dirty="0"/>
+              <a:t> </a:t>
+            </a:r>
+            <a:r>
+              <a:rPr lang="en-US" dirty="0" err="1"/>
+              <a:t>подготовки</a:t>
+            </a:r>
+            <a:r>
+              <a:rPr lang="en-US" dirty="0"/>
+              <a:t>, </a:t>
+            </a:r>
+            <a:r>
+              <a:rPr lang="en-US" dirty="0" err="1"/>
+              <a:t>так</a:t>
+            </a:r>
+            <a:r>
+              <a:rPr lang="en-US" dirty="0"/>
+              <a:t> </a:t>
+            </a:r>
+            <a:r>
+              <a:rPr lang="en-US" dirty="0" err="1"/>
+              <a:t>как</a:t>
+            </a:r>
+            <a:r>
+              <a:rPr lang="en-US" dirty="0"/>
+              <a:t> </a:t>
+            </a:r>
+            <a:r>
+              <a:rPr lang="en-US" dirty="0" err="1"/>
+              <a:t>содерж</a:t>
+            </a:r>
+            <a:r>
+              <a:rPr lang="ru-RU" dirty="0"/>
+              <a:t>а</a:t>
+            </a:r>
+            <a:r>
+              <a:rPr lang="en-US" dirty="0"/>
+              <a:t>т </a:t>
+            </a:r>
+            <a:r>
+              <a:rPr lang="en-US" dirty="0" err="1"/>
+              <a:t>много</a:t>
+            </a:r>
+            <a:r>
+              <a:rPr lang="en-US" dirty="0"/>
+              <a:t> </a:t>
+            </a:r>
+            <a:r>
+              <a:rPr lang="en-US" dirty="0" err="1"/>
+              <a:t>ошибок</a:t>
+            </a:r>
+            <a:r>
+              <a:rPr lang="en-US" dirty="0"/>
+              <a:t> и </a:t>
+            </a:r>
+            <a:r>
+              <a:rPr lang="en-US" dirty="0" err="1"/>
+              <a:t>пропусков</a:t>
+            </a:r>
+            <a:r>
+              <a:rPr lang="en-US" dirty="0"/>
+              <a:t>.</a:t>
+            </a:r>
+          </a:p>
+          <a:p>
+            <a:pPr lvl="0"/>
+            <a:endParaRPr lang="en-US" dirty="0"/>
+          </a:p>
+          <a:p>
+            <a:pPr marL="0" lvl="0" indent="0">
+              <a:buNone/>
+            </a:pPr>
+            <a:r>
+              <a:rPr lang="ru-RU" sz="2600" b="1" dirty="0"/>
+              <a:t>Б</a:t>
+            </a:r>
+            <a:r>
+              <a:rPr lang="en-US" sz="2600" b="1" dirty="0"/>
+              <a:t>ы</a:t>
+            </a:r>
+            <a:r>
+              <a:rPr lang="ru-RU" sz="2600" b="1" dirty="0"/>
+              <a:t>л</a:t>
+            </a:r>
+            <a:r>
+              <a:rPr lang="en-US" sz="2600" b="1" dirty="0"/>
+              <a:t>о </a:t>
+            </a:r>
+            <a:r>
+              <a:rPr lang="ru-RU" sz="2600" b="1" dirty="0"/>
+              <a:t>с</a:t>
+            </a:r>
+            <a:r>
+              <a:rPr lang="en-US" sz="2600" b="1" dirty="0"/>
+              <a:t>д</a:t>
+            </a:r>
+            <a:r>
+              <a:rPr lang="ru-RU" sz="2600" b="1" dirty="0"/>
+              <a:t>е</a:t>
+            </a:r>
+            <a:r>
+              <a:rPr lang="en-US" sz="2600" b="1" dirty="0"/>
+              <a:t>л</a:t>
+            </a:r>
+            <a:r>
+              <a:rPr lang="ru-RU" sz="2600" b="1" dirty="0"/>
+              <a:t>а</a:t>
+            </a:r>
+            <a:r>
+              <a:rPr lang="en-US" sz="2600" b="1" dirty="0"/>
+              <a:t>н</a:t>
+            </a:r>
+            <a:r>
+              <a:rPr lang="ru-RU" sz="2600" b="1" dirty="0"/>
+              <a:t>о</a:t>
+            </a:r>
+            <a:r>
+              <a:rPr lang="en-US" sz="2600" b="1" dirty="0"/>
+              <a:t>:</a:t>
+            </a:r>
+          </a:p>
           <a:p>
             <a:pPr lvl="0"/>
             <a:r>
@@ -6049,6 +6417,117 @@
               <a:rPr lang="ru-RU" sz="2000" dirty="0"/>
               <a:t>.</a:t>
             </a:r>
+            <a:endParaRPr lang="en-US" sz="2000" dirty="0"/>
+          </a:p>
+          <a:p>
+            <a:pPr marL="0" indent="0">
+              <a:buNone/>
+            </a:pPr>
+            <a:r>
+              <a:rPr lang="en-US" sz="2000" dirty="0"/>
+              <a:t>	- </a:t>
+            </a:r>
+            <a:r>
+              <a:rPr lang="ru-RU" sz="2000" dirty="0"/>
+              <a:t>К</a:t>
+            </a:r>
+            <a:r>
+              <a:rPr lang="en-US" sz="2000" dirty="0"/>
+              <a:t>о</a:t>
+            </a:r>
+            <a:r>
+              <a:rPr lang="ru-RU" sz="2000" dirty="0"/>
+              <a:t>о</a:t>
+            </a:r>
+            <a:r>
+              <a:rPr lang="en-US" sz="2000" dirty="0"/>
+              <a:t>р</a:t>
+            </a:r>
+            <a:r>
+              <a:rPr lang="ru-RU" sz="2000" dirty="0"/>
+              <a:t>д</a:t>
+            </a:r>
+            <a:r>
+              <a:rPr lang="en-US" sz="2000" dirty="0"/>
+              <a:t>и</a:t>
+            </a:r>
+            <a:r>
+              <a:rPr lang="ru-RU" sz="2000" dirty="0"/>
+              <a:t>н</a:t>
+            </a:r>
+            <a:r>
+              <a:rPr lang="en-US" sz="2000" dirty="0"/>
+              <a:t>а</a:t>
+            </a:r>
+            <a:r>
+              <a:rPr lang="ru-RU" sz="2000" dirty="0"/>
+              <a:t>т</a:t>
+            </a:r>
+            <a:r>
+              <a:rPr lang="en-US" sz="2000" dirty="0"/>
+              <a:t>ы </a:t>
+            </a:r>
+            <a:r>
+              <a:rPr lang="ru-RU" sz="2000" dirty="0"/>
+              <a:t>а</a:t>
+            </a:r>
+            <a:r>
+              <a:rPr lang="en-US" sz="2000" dirty="0"/>
+              <a:t>д</a:t>
+            </a:r>
+            <a:r>
+              <a:rPr lang="ru-RU" sz="2000" dirty="0"/>
+              <a:t>р</a:t>
+            </a:r>
+            <a:r>
+              <a:rPr lang="en-US" sz="2000" dirty="0"/>
+              <a:t>е</a:t>
+            </a:r>
+            <a:r>
+              <a:rPr lang="ru-RU" sz="2000" dirty="0"/>
+              <a:t>с</a:t>
+            </a:r>
+            <a:r>
+              <a:rPr lang="en-US" sz="2000" dirty="0"/>
+              <a:t>а. </a:t>
+            </a:r>
+            <a:r>
+              <a:rPr lang="ru-RU" sz="2000" dirty="0"/>
+              <a:t>И</a:t>
+            </a:r>
+            <a:r>
+              <a:rPr lang="en-US" sz="2000" dirty="0"/>
+              <a:t>с</a:t>
+            </a:r>
+            <a:r>
+              <a:rPr lang="ru-RU" sz="2000" dirty="0"/>
+              <a:t>т</a:t>
+            </a:r>
+            <a:r>
+              <a:rPr lang="en-US" sz="2000" dirty="0"/>
+              <a:t>о</a:t>
+            </a:r>
+            <a:r>
+              <a:rPr lang="ru-RU" sz="2000" dirty="0"/>
+              <a:t>ч</a:t>
+            </a:r>
+            <a:r>
+              <a:rPr lang="en-US" sz="2000" dirty="0"/>
+              <a:t>н</a:t>
+            </a:r>
+            <a:r>
+              <a:rPr lang="ru-RU" sz="2000" dirty="0"/>
+              <a:t>и</a:t>
+            </a:r>
+            <a:r>
+              <a:rPr lang="en-US" sz="2000" dirty="0"/>
+              <a:t>к: </a:t>
+            </a:r>
+            <a:r>
+              <a:rPr lang="en-US" sz="2000" dirty="0" err="1"/>
+              <a:t>geopy</a:t>
+            </a:r>
+            <a:endParaRPr lang="ru-RU" sz="2000" dirty="0"/>
           </a:p>
           <a:p>
             <a:pPr marL="0" lvl="0" indent="0">
@@ -6414,14 +6893,18 @@
               <a:rPr lang="ru-RU" sz="2100" dirty="0"/>
               <a:t>.</a:t>
             </a:r>
-          </a:p>
-          <a:p>
-            <a:pPr lvl="2">
-              <a:buFontTx/>
-              <a:buChar char="-"/>
+            <a:endParaRPr lang="en-US" sz="2100" dirty="0"/>
+          </a:p>
+          <a:p>
+            <a:pPr marL="0" lvl="0" indent="0">
+              <a:buNone/>
             </a:pPr>
             <a:r>
-              <a:rPr lang="ru-RU" dirty="0"/>
+              <a:rPr lang="en-US" sz="2100" dirty="0"/>
+              <a:t>	- </a:t>
+            </a:r>
+            <a:r>
+              <a:rPr lang="ru-RU" sz="2100" dirty="0"/>
               <a:t>Расстояние до центра и азимут почтового отделения рассчитаны по координатам</a:t>
             </a:r>
           </a:p>
@@ -6430,13 +6913,118 @@
               <a:buNone/>
             </a:pPr>
             <a:r>
-              <a:rPr lang="ru-RU" sz="2400" dirty="0"/>
+              <a:rPr lang="ru-RU" sz="2100" dirty="0"/>
               <a:t> 	</a:t>
             </a:r>
             <a:r>
               <a:rPr lang="ru-RU" sz="2000" dirty="0"/>
-              <a:t>- Средняя цена объектов находящихся в доме/корпусе/участке </a:t>
-            </a:r>
+              <a:t>- Средняя цена </a:t>
+            </a:r>
+            <a:r>
+              <a:rPr lang="en-US" sz="2000" dirty="0"/>
+              <a:t>к</a:t>
+            </a:r>
+            <a:r>
+              <a:rPr lang="ru-RU" sz="2000" dirty="0"/>
+              <a:t>в</a:t>
+            </a:r>
+            <a:r>
+              <a:rPr lang="en-US" sz="2000" dirty="0"/>
+              <a:t>а</a:t>
+            </a:r>
+            <a:r>
+              <a:rPr lang="ru-RU" sz="2000" dirty="0"/>
+              <a:t>д</a:t>
+            </a:r>
+            <a:r>
+              <a:rPr lang="en-US" sz="2000" dirty="0"/>
+              <a:t>р</a:t>
+            </a:r>
+            <a:r>
+              <a:rPr lang="ru-RU" sz="2000" dirty="0"/>
+              <a:t>а</a:t>
+            </a:r>
+            <a:r>
+              <a:rPr lang="en-US" sz="2000" dirty="0"/>
+              <a:t>т</a:t>
+            </a:r>
+            <a:r>
+              <a:rPr lang="ru-RU" sz="2000" dirty="0"/>
+              <a:t>н</a:t>
+            </a:r>
+            <a:r>
+              <a:rPr lang="en-US" sz="2000" dirty="0"/>
+              <a:t>о</a:t>
+            </a:r>
+            <a:r>
+              <a:rPr lang="ru-RU" sz="2000" dirty="0"/>
+              <a:t>г</a:t>
+            </a:r>
+            <a:r>
+              <a:rPr lang="en-US" sz="2000" dirty="0"/>
+              <a:t>о </a:t>
+            </a:r>
+            <a:r>
+              <a:rPr lang="ru-RU" sz="2000" dirty="0"/>
+              <a:t>ф</a:t>
+            </a:r>
+            <a:r>
+              <a:rPr lang="en-US" sz="2000" dirty="0"/>
+              <a:t>у</a:t>
+            </a:r>
+            <a:r>
+              <a:rPr lang="ru-RU" sz="2000" dirty="0"/>
+              <a:t>т</a:t>
+            </a:r>
+            <a:r>
+              <a:rPr lang="en-US" sz="2000" dirty="0"/>
+              <a:t>а </a:t>
+            </a:r>
+            <a:r>
+              <a:rPr lang="ru-RU" sz="2000" dirty="0"/>
+              <a:t>п</a:t>
+            </a:r>
+            <a:r>
+              <a:rPr lang="en-US" sz="2000" dirty="0"/>
+              <a:t>л</a:t>
+            </a:r>
+            <a:r>
+              <a:rPr lang="ru-RU" sz="2000" dirty="0"/>
+              <a:t>о</a:t>
+            </a:r>
+            <a:r>
+              <a:rPr lang="en-US" sz="2000" dirty="0"/>
+              <a:t>щ</a:t>
+            </a:r>
+            <a:r>
+              <a:rPr lang="ru-RU" sz="2000" dirty="0"/>
+              <a:t>а</a:t>
+            </a:r>
+            <a:r>
+              <a:rPr lang="en-US" sz="2000" dirty="0"/>
+              <a:t>д</a:t>
+            </a:r>
+            <a:r>
+              <a:rPr lang="ru-RU" sz="2000" dirty="0"/>
+              <a:t>и</a:t>
+            </a:r>
+            <a:r>
+              <a:rPr lang="en-US" sz="2000" dirty="0"/>
+              <a:t> </a:t>
+            </a:r>
+            <a:r>
+              <a:rPr lang="en-US" dirty="0" err="1"/>
+              <a:t>дома</a:t>
+            </a:r>
+            <a:r>
+              <a:rPr lang="en-US" dirty="0"/>
+              <a:t> в </a:t>
+            </a:r>
+            <a:r>
+              <a:rPr lang="en-US" dirty="0" err="1"/>
+              <a:t>районе</a:t>
+            </a:r>
+            <a:endParaRPr lang="ru-RU" sz="2000" dirty="0"/>
           </a:p>
           <a:p>
             <a:pPr lvl="0"/>
@@ -6574,7 +7162,7 @@
         </p:spPr>
         <p:txBody>
           <a:bodyPr>
-            <a:normAutofit/>
+            <a:normAutofit lnSpcReduction="10000"/>
           </a:bodyPr>
           <a:lstStyle/>
           <a:p>
@@ -6861,7 +7449,63 @@
           <a:p>
             <a:r>
               <a:rPr lang="ru-RU" sz="1400" b="1" dirty="0"/>
-              <a:t>Коэффициент смешанной корреляции (COD или R2</a:t>
+              <a:t>Коэффициент </a:t>
+            </a:r>
+            <a:r>
+              <a:rPr lang="en-US" sz="1400" b="1" dirty="0"/>
+              <a:t>д</a:t>
+            </a:r>
+            <a:r>
+              <a:rPr lang="ru-RU" sz="1400" b="1" dirty="0"/>
+              <a:t>е</a:t>
+            </a:r>
+            <a:r>
+              <a:rPr lang="en-US" sz="1400" b="1" dirty="0"/>
+              <a:t>т</a:t>
+            </a:r>
+            <a:r>
+              <a:rPr lang="ru-RU" sz="1400" b="1" dirty="0"/>
+              <a:t>е</a:t>
+            </a:r>
+            <a:r>
+              <a:rPr lang="en-US" sz="1400" b="1" dirty="0"/>
+              <a:t>р</a:t>
+            </a:r>
+            <a:r>
+              <a:rPr lang="ru-RU" sz="1400" b="1" dirty="0"/>
+              <a:t>м</a:t>
+            </a:r>
+            <a:r>
+              <a:rPr lang="en-US" sz="1400" b="1" dirty="0"/>
+              <a:t>и</a:t>
+            </a:r>
+            <a:r>
+              <a:rPr lang="ru-RU" sz="1400" b="1" dirty="0"/>
+              <a:t>н</a:t>
+            </a:r>
+            <a:r>
+              <a:rPr lang="en-US" sz="1400" b="1" dirty="0"/>
+              <a:t>а</a:t>
+            </a:r>
+            <a:r>
+              <a:rPr lang="ru-RU" sz="1400" b="1" dirty="0"/>
+              <a:t>ц</a:t>
+            </a:r>
+            <a:r>
+              <a:rPr lang="en-US" sz="1400" b="1" dirty="0"/>
+              <a:t>и</a:t>
+            </a:r>
+            <a:r>
+              <a:rPr lang="ru-RU" sz="1400" b="1" dirty="0"/>
+              <a:t>и </a:t>
+            </a:r>
+            <a:r>
+              <a:rPr lang="en-US" sz="1400" b="1" dirty="0"/>
+              <a:t>(</a:t>
+            </a:r>
+            <a:r>
+              <a:rPr lang="ru-RU" sz="1400" b="1" dirty="0"/>
+              <a:t>R2</a:t>
             </a:r>
             <a:r>
               <a:rPr lang="en-US" sz="1400" b="1" dirty="0"/>
@@ -6872,10 +7516,6 @@
               <a:t>)</a:t>
             </a:r>
             <a:r>
-              <a:rPr lang="en-US" sz="1400" b="1" dirty="0"/>
-              <a:t> (%)</a:t>
-            </a:r>
-            <a:r>
               <a:rPr lang="ru-RU" sz="1400" dirty="0"/>
               <a:t> - статистический показатель, указывает на достоверность соответствия набора прогнозов фактическим значениям</a:t>
             </a:r>
@@ -6886,6 +7526,174 @@
             <a:r>
               <a:rPr lang="ru-RU" sz="1400" dirty="0"/>
               <a:t>оценивает соответствие модели данным. </a:t>
+            </a:r>
+            <a:r>
+              <a:rPr lang="ru-RU" sz="1400" dirty="0" err="1"/>
+              <a:t>Зн</a:t>
+            </a:r>
+            <a:r>
+              <a:rPr lang="en-US" sz="1400" dirty="0"/>
+              <a:t>а</a:t>
+            </a:r>
+            <a:r>
+              <a:rPr lang="ru-RU" sz="1400" dirty="0"/>
+              <a:t>ч</a:t>
+            </a:r>
+            <a:r>
+              <a:rPr lang="en-US" sz="1400" dirty="0"/>
+              <a:t>е</a:t>
+            </a:r>
+            <a:r>
+              <a:rPr lang="ru-RU" sz="1400" dirty="0"/>
+              <a:t>н</a:t>
+            </a:r>
+            <a:r>
+              <a:rPr lang="en-US" sz="1400" dirty="0"/>
+              <a:t>и</a:t>
+            </a:r>
+            <a:r>
+              <a:rPr lang="ru-RU" sz="1400" dirty="0"/>
+              <a:t>я</a:t>
+            </a:r>
+            <a:r>
+              <a:rPr lang="en-US" sz="1400" dirty="0"/>
+              <a:t> 0.8-1.0 </a:t>
+            </a:r>
+            <a:r>
+              <a:rPr lang="ru-RU" sz="1400" dirty="0"/>
+              <a:t>у</a:t>
+            </a:r>
+            <a:r>
+              <a:rPr lang="en-US" sz="1400" dirty="0"/>
+              <a:t>к</a:t>
+            </a:r>
+            <a:r>
+              <a:rPr lang="ru-RU" sz="1400" dirty="0"/>
+              <a:t>а</a:t>
+            </a:r>
+            <a:r>
+              <a:rPr lang="en-US" sz="1400" dirty="0"/>
+              <a:t>з</a:t>
+            </a:r>
+            <a:r>
+              <a:rPr lang="ru-RU" sz="1400" dirty="0"/>
+              <a:t>ы</a:t>
+            </a:r>
+            <a:r>
+              <a:rPr lang="en-US" sz="1400" dirty="0"/>
+              <a:t>в</a:t>
+            </a:r>
+            <a:r>
+              <a:rPr lang="ru-RU" sz="1400" dirty="0"/>
+              <a:t>а</a:t>
+            </a:r>
+            <a:r>
+              <a:rPr lang="en-US" sz="1400" dirty="0"/>
+              <a:t>ю</a:t>
+            </a:r>
+            <a:r>
+              <a:rPr lang="ru-RU" sz="1400" dirty="0"/>
+              <a:t>т</a:t>
+            </a:r>
+            <a:r>
+              <a:rPr lang="en-US" sz="1400" dirty="0"/>
+              <a:t> </a:t>
+            </a:r>
+            <a:r>
+              <a:rPr lang="ru-RU" sz="1400" dirty="0"/>
+              <a:t>н</a:t>
+            </a:r>
+            <a:r>
+              <a:rPr lang="en-US" sz="1400" dirty="0"/>
+              <a:t>а </a:t>
+            </a:r>
+            <a:r>
+              <a:rPr lang="ru-RU" sz="1400" dirty="0"/>
+              <a:t>х</a:t>
+            </a:r>
+            <a:r>
+              <a:rPr lang="en-US" sz="1400" dirty="0"/>
+              <a:t>о</a:t>
+            </a:r>
+            <a:r>
+              <a:rPr lang="ru-RU" sz="1400" dirty="0"/>
+              <a:t>р</a:t>
+            </a:r>
+            <a:r>
+              <a:rPr lang="en-US" sz="1400" dirty="0"/>
+              <a:t>о</a:t>
+            </a:r>
+            <a:r>
+              <a:rPr lang="ru-RU" sz="1400" dirty="0"/>
+              <a:t>ш</a:t>
+            </a:r>
+            <a:r>
+              <a:rPr lang="en-US" sz="1400" dirty="0"/>
+              <a:t>е</a:t>
+            </a:r>
+            <a:r>
+              <a:rPr lang="ru-RU" sz="1400" dirty="0"/>
+              <a:t>е</a:t>
+            </a:r>
+            <a:r>
+              <a:rPr lang="en-US" sz="1400" dirty="0"/>
+              <a:t> </a:t>
+            </a:r>
+            <a:r>
+              <a:rPr lang="ru-RU" sz="1400" dirty="0"/>
+              <a:t>к</a:t>
+            </a:r>
+            <a:r>
+              <a:rPr lang="en-US" sz="1400" dirty="0"/>
+              <a:t>а</a:t>
+            </a:r>
+            <a:r>
+              <a:rPr lang="ru-RU" sz="1400" dirty="0"/>
+              <a:t>ч</a:t>
+            </a:r>
+            <a:r>
+              <a:rPr lang="en-US" sz="1400" dirty="0"/>
+              <a:t>е</a:t>
+            </a:r>
+            <a:r>
+              <a:rPr lang="ru-RU" sz="1400" dirty="0"/>
+              <a:t>с</a:t>
+            </a:r>
+            <a:r>
+              <a:rPr lang="en-US" sz="1400" dirty="0"/>
+              <a:t>т</a:t>
+            </a:r>
+            <a:r>
+              <a:rPr lang="ru-RU" sz="1400" dirty="0"/>
+              <a:t>в</a:t>
+            </a:r>
+            <a:r>
+              <a:rPr lang="en-US" sz="1400" dirty="0"/>
+              <a:t>о </a:t>
+            </a:r>
+            <a:r>
+              <a:rPr lang="ru-RU" sz="1400" dirty="0"/>
+              <a:t>м</a:t>
+            </a:r>
+            <a:r>
+              <a:rPr lang="en-US" sz="1400" dirty="0"/>
+              <a:t>о</a:t>
+            </a:r>
+            <a:r>
+              <a:rPr lang="ru-RU" sz="1400" dirty="0"/>
+              <a:t>д</a:t>
+            </a:r>
+            <a:r>
+              <a:rPr lang="en-US" sz="1400" dirty="0"/>
+              <a:t>е</a:t>
+            </a:r>
+            <a:r>
+              <a:rPr lang="ru-RU" sz="1400" dirty="0"/>
+              <a:t>л</a:t>
+            </a:r>
+            <a:r>
+              <a:rPr lang="en-US" sz="1400" dirty="0"/>
+              <a:t>и.</a:t>
             </a:r>
             <a:endParaRPr lang="ru-RU" dirty="0"/>
           </a:p>
@@ -7235,7 +8043,7 @@
               <a:t>E)</a:t>
             </a:r>
             <a:r>
-              <a:rPr lang="en-US" b="1"/>
+              <a:rPr lang="en-US" b="1" dirty="0"/>
               <a:t>(%)</a:t>
             </a:r>
             <a:r>
